--- a/figures/Chapter 2 - Introductory Data Structures/2.3 Skip Lists.pptx
+++ b/figures/Chapter 2 - Introductory Data Structures/2.3 Skip Lists.pptx
@@ -165,10 +165,9 @@
           </a:lstStyle>
           <a:p>
             <a:r>
-              <a:rPr lang="en-US" smtClean="0"/>
+              <a:rPr lang="en-US"/>
               <a:t>Click to edit Master title style</a:t>
             </a:r>
-            <a:endParaRPr lang="en-US"/>
           </a:p>
         </p:txBody>
       </p:sp>
@@ -230,10 +229,9 @@
           </a:lstStyle>
           <a:p>
             <a:r>
-              <a:rPr lang="en-US" smtClean="0"/>
+              <a:rPr lang="en-US"/>
               <a:t>Click to edit Master subtitle style</a:t>
             </a:r>
-            <a:endParaRPr lang="en-US"/>
           </a:p>
         </p:txBody>
       </p:sp>
@@ -254,7 +252,7 @@
           <a:p>
             <a:fld id="{5F8C1D27-7054-4C6B-8816-BEAA3AD2E28B}" type="datetimeFigureOut">
               <a:rPr lang="en-US" smtClean="0"/>
-              <a:t>8/30/16</a:t>
+              <a:t>5/8/18</a:t>
             </a:fld>
             <a:endParaRPr lang="en-US"/>
           </a:p>
@@ -348,10 +346,9 @@
           <a:lstStyle/>
           <a:p>
             <a:r>
-              <a:rPr lang="en-US" smtClean="0"/>
+              <a:rPr lang="en-US"/>
               <a:t>Click to edit Master title style</a:t>
             </a:r>
-            <a:endParaRPr lang="en-US"/>
           </a:p>
         </p:txBody>
       </p:sp>
@@ -372,38 +369,37 @@
           <a:p>
             <a:pPr lvl="0"/>
             <a:r>
-              <a:rPr lang="en-US" smtClean="0"/>
+              <a:rPr lang="en-US"/>
               <a:t>Click to edit Master text styles</a:t>
             </a:r>
           </a:p>
           <a:p>
             <a:pPr lvl="1"/>
             <a:r>
-              <a:rPr lang="en-US" smtClean="0"/>
+              <a:rPr lang="en-US"/>
               <a:t>Second level</a:t>
             </a:r>
           </a:p>
           <a:p>
             <a:pPr lvl="2"/>
             <a:r>
-              <a:rPr lang="en-US" smtClean="0"/>
+              <a:rPr lang="en-US"/>
               <a:t>Third level</a:t>
             </a:r>
           </a:p>
           <a:p>
             <a:pPr lvl="3"/>
             <a:r>
-              <a:rPr lang="en-US" smtClean="0"/>
+              <a:rPr lang="en-US"/>
               <a:t>Fourth level</a:t>
             </a:r>
           </a:p>
           <a:p>
             <a:pPr lvl="4"/>
             <a:r>
-              <a:rPr lang="en-US" smtClean="0"/>
+              <a:rPr lang="en-US"/>
               <a:t>Fifth level</a:t>
             </a:r>
-            <a:endParaRPr lang="en-US"/>
           </a:p>
         </p:txBody>
       </p:sp>
@@ -424,7 +420,7 @@
           <a:p>
             <a:fld id="{5F8C1D27-7054-4C6B-8816-BEAA3AD2E28B}" type="datetimeFigureOut">
               <a:rPr lang="en-US" smtClean="0"/>
-              <a:t>8/30/16</a:t>
+              <a:t>5/8/18</a:t>
             </a:fld>
             <a:endParaRPr lang="en-US"/>
           </a:p>
@@ -523,10 +519,9 @@
           <a:lstStyle/>
           <a:p>
             <a:r>
-              <a:rPr lang="en-US" smtClean="0"/>
+              <a:rPr lang="en-US"/>
               <a:t>Click to edit Master title style</a:t>
             </a:r>
-            <a:endParaRPr lang="en-US"/>
           </a:p>
         </p:txBody>
       </p:sp>
@@ -552,38 +547,37 @@
           <a:p>
             <a:pPr lvl="0"/>
             <a:r>
-              <a:rPr lang="en-US" smtClean="0"/>
+              <a:rPr lang="en-US"/>
               <a:t>Click to edit Master text styles</a:t>
             </a:r>
           </a:p>
           <a:p>
             <a:pPr lvl="1"/>
             <a:r>
-              <a:rPr lang="en-US" smtClean="0"/>
+              <a:rPr lang="en-US"/>
               <a:t>Second level</a:t>
             </a:r>
           </a:p>
           <a:p>
             <a:pPr lvl="2"/>
             <a:r>
-              <a:rPr lang="en-US" smtClean="0"/>
+              <a:rPr lang="en-US"/>
               <a:t>Third level</a:t>
             </a:r>
           </a:p>
           <a:p>
             <a:pPr lvl="3"/>
             <a:r>
-              <a:rPr lang="en-US" smtClean="0"/>
+              <a:rPr lang="en-US"/>
               <a:t>Fourth level</a:t>
             </a:r>
           </a:p>
           <a:p>
             <a:pPr lvl="4"/>
             <a:r>
-              <a:rPr lang="en-US" smtClean="0"/>
+              <a:rPr lang="en-US"/>
               <a:t>Fifth level</a:t>
             </a:r>
-            <a:endParaRPr lang="en-US"/>
           </a:p>
         </p:txBody>
       </p:sp>
@@ -604,7 +598,7 @@
           <a:p>
             <a:fld id="{5F8C1D27-7054-4C6B-8816-BEAA3AD2E28B}" type="datetimeFigureOut">
               <a:rPr lang="en-US" smtClean="0"/>
-              <a:t>8/30/16</a:t>
+              <a:t>5/8/18</a:t>
             </a:fld>
             <a:endParaRPr lang="en-US"/>
           </a:p>
@@ -698,10 +692,9 @@
           <a:lstStyle/>
           <a:p>
             <a:r>
-              <a:rPr lang="en-US" smtClean="0"/>
+              <a:rPr lang="en-US"/>
               <a:t>Click to edit Master title style</a:t>
             </a:r>
-            <a:endParaRPr lang="en-US"/>
           </a:p>
         </p:txBody>
       </p:sp>
@@ -722,38 +715,37 @@
           <a:p>
             <a:pPr lvl="0"/>
             <a:r>
-              <a:rPr lang="en-US" smtClean="0"/>
+              <a:rPr lang="en-US"/>
               <a:t>Click to edit Master text styles</a:t>
             </a:r>
           </a:p>
           <a:p>
             <a:pPr lvl="1"/>
             <a:r>
-              <a:rPr lang="en-US" smtClean="0"/>
+              <a:rPr lang="en-US"/>
               <a:t>Second level</a:t>
             </a:r>
           </a:p>
           <a:p>
             <a:pPr lvl="2"/>
             <a:r>
-              <a:rPr lang="en-US" smtClean="0"/>
+              <a:rPr lang="en-US"/>
               <a:t>Third level</a:t>
             </a:r>
           </a:p>
           <a:p>
             <a:pPr lvl="3"/>
             <a:r>
-              <a:rPr lang="en-US" smtClean="0"/>
+              <a:rPr lang="en-US"/>
               <a:t>Fourth level</a:t>
             </a:r>
           </a:p>
           <a:p>
             <a:pPr lvl="4"/>
             <a:r>
-              <a:rPr lang="en-US" smtClean="0"/>
+              <a:rPr lang="en-US"/>
               <a:t>Fifth level</a:t>
             </a:r>
-            <a:endParaRPr lang="en-US"/>
           </a:p>
         </p:txBody>
       </p:sp>
@@ -774,7 +766,7 @@
           <a:p>
             <a:fld id="{5F8C1D27-7054-4C6B-8816-BEAA3AD2E28B}" type="datetimeFigureOut">
               <a:rPr lang="en-US" smtClean="0"/>
-              <a:t>8/30/16</a:t>
+              <a:t>5/8/18</a:t>
             </a:fld>
             <a:endParaRPr lang="en-US"/>
           </a:p>
@@ -877,10 +869,9 @@
           </a:lstStyle>
           <a:p>
             <a:r>
-              <a:rPr lang="en-US" smtClean="0"/>
+              <a:rPr lang="en-US"/>
               <a:t>Click to edit Master title style</a:t>
             </a:r>
-            <a:endParaRPr lang="en-US"/>
           </a:p>
         </p:txBody>
       </p:sp>
@@ -997,7 +988,7 @@
           <a:p>
             <a:pPr lvl="0"/>
             <a:r>
-              <a:rPr lang="en-US" smtClean="0"/>
+              <a:rPr lang="en-US"/>
               <a:t>Click to edit Master text styles</a:t>
             </a:r>
           </a:p>
@@ -1020,7 +1011,7 @@
           <a:p>
             <a:fld id="{5F8C1D27-7054-4C6B-8816-BEAA3AD2E28B}" type="datetimeFigureOut">
               <a:rPr lang="en-US" smtClean="0"/>
-              <a:t>8/30/16</a:t>
+              <a:t>5/8/18</a:t>
             </a:fld>
             <a:endParaRPr lang="en-US"/>
           </a:p>
@@ -1114,10 +1105,9 @@
           <a:lstStyle/>
           <a:p>
             <a:r>
-              <a:rPr lang="en-US" smtClean="0"/>
+              <a:rPr lang="en-US"/>
               <a:t>Click to edit Master title style</a:t>
             </a:r>
-            <a:endParaRPr lang="en-US"/>
           </a:p>
         </p:txBody>
       </p:sp>
@@ -1143,38 +1133,37 @@
           <a:p>
             <a:pPr lvl="0"/>
             <a:r>
-              <a:rPr lang="en-US" smtClean="0"/>
+              <a:rPr lang="en-US"/>
               <a:t>Click to edit Master text styles</a:t>
             </a:r>
           </a:p>
           <a:p>
             <a:pPr lvl="1"/>
             <a:r>
-              <a:rPr lang="en-US" smtClean="0"/>
+              <a:rPr lang="en-US"/>
               <a:t>Second level</a:t>
             </a:r>
           </a:p>
           <a:p>
             <a:pPr lvl="2"/>
             <a:r>
-              <a:rPr lang="en-US" smtClean="0"/>
+              <a:rPr lang="en-US"/>
               <a:t>Third level</a:t>
             </a:r>
           </a:p>
           <a:p>
             <a:pPr lvl="3"/>
             <a:r>
-              <a:rPr lang="en-US" smtClean="0"/>
+              <a:rPr lang="en-US"/>
               <a:t>Fourth level</a:t>
             </a:r>
           </a:p>
           <a:p>
             <a:pPr lvl="4"/>
             <a:r>
-              <a:rPr lang="en-US" smtClean="0"/>
+              <a:rPr lang="en-US"/>
               <a:t>Fifth level</a:t>
             </a:r>
-            <a:endParaRPr lang="en-US"/>
           </a:p>
         </p:txBody>
       </p:sp>
@@ -1200,38 +1189,37 @@
           <a:p>
             <a:pPr lvl="0"/>
             <a:r>
-              <a:rPr lang="en-US" smtClean="0"/>
+              <a:rPr lang="en-US"/>
               <a:t>Click to edit Master text styles</a:t>
             </a:r>
           </a:p>
           <a:p>
             <a:pPr lvl="1"/>
             <a:r>
-              <a:rPr lang="en-US" smtClean="0"/>
+              <a:rPr lang="en-US"/>
               <a:t>Second level</a:t>
             </a:r>
           </a:p>
           <a:p>
             <a:pPr lvl="2"/>
             <a:r>
-              <a:rPr lang="en-US" smtClean="0"/>
+              <a:rPr lang="en-US"/>
               <a:t>Third level</a:t>
             </a:r>
           </a:p>
           <a:p>
             <a:pPr lvl="3"/>
             <a:r>
-              <a:rPr lang="en-US" smtClean="0"/>
+              <a:rPr lang="en-US"/>
               <a:t>Fourth level</a:t>
             </a:r>
           </a:p>
           <a:p>
             <a:pPr lvl="4"/>
             <a:r>
-              <a:rPr lang="en-US" smtClean="0"/>
+              <a:rPr lang="en-US"/>
               <a:t>Fifth level</a:t>
             </a:r>
-            <a:endParaRPr lang="en-US"/>
           </a:p>
         </p:txBody>
       </p:sp>
@@ -1252,7 +1240,7 @@
           <a:p>
             <a:fld id="{5F8C1D27-7054-4C6B-8816-BEAA3AD2E28B}" type="datetimeFigureOut">
               <a:rPr lang="en-US" smtClean="0"/>
-              <a:t>8/30/16</a:t>
+              <a:t>5/8/18</a:t>
             </a:fld>
             <a:endParaRPr lang="en-US"/>
           </a:p>
@@ -1351,10 +1339,9 @@
           <a:lstStyle/>
           <a:p>
             <a:r>
-              <a:rPr lang="en-US" smtClean="0"/>
+              <a:rPr lang="en-US"/>
               <a:t>Click to edit Master title style</a:t>
             </a:r>
-            <a:endParaRPr lang="en-US"/>
           </a:p>
         </p:txBody>
       </p:sp>
@@ -1417,7 +1404,7 @@
           <a:p>
             <a:pPr lvl="0"/>
             <a:r>
-              <a:rPr lang="en-US" smtClean="0"/>
+              <a:rPr lang="en-US"/>
               <a:t>Click to edit Master text styles</a:t>
             </a:r>
           </a:p>
@@ -1445,38 +1432,37 @@
           <a:p>
             <a:pPr lvl="0"/>
             <a:r>
-              <a:rPr lang="en-US" smtClean="0"/>
+              <a:rPr lang="en-US"/>
               <a:t>Click to edit Master text styles</a:t>
             </a:r>
           </a:p>
           <a:p>
             <a:pPr lvl="1"/>
             <a:r>
-              <a:rPr lang="en-US" smtClean="0"/>
+              <a:rPr lang="en-US"/>
               <a:t>Second level</a:t>
             </a:r>
           </a:p>
           <a:p>
             <a:pPr lvl="2"/>
             <a:r>
-              <a:rPr lang="en-US" smtClean="0"/>
+              <a:rPr lang="en-US"/>
               <a:t>Third level</a:t>
             </a:r>
           </a:p>
           <a:p>
             <a:pPr lvl="3"/>
             <a:r>
-              <a:rPr lang="en-US" smtClean="0"/>
+              <a:rPr lang="en-US"/>
               <a:t>Fourth level</a:t>
             </a:r>
           </a:p>
           <a:p>
             <a:pPr lvl="4"/>
             <a:r>
-              <a:rPr lang="en-US" smtClean="0"/>
+              <a:rPr lang="en-US"/>
               <a:t>Fifth level</a:t>
             </a:r>
-            <a:endParaRPr lang="en-US"/>
           </a:p>
         </p:txBody>
       </p:sp>
@@ -1539,7 +1525,7 @@
           <a:p>
             <a:pPr lvl="0"/>
             <a:r>
-              <a:rPr lang="en-US" smtClean="0"/>
+              <a:rPr lang="en-US"/>
               <a:t>Click to edit Master text styles</a:t>
             </a:r>
           </a:p>
@@ -1567,38 +1553,37 @@
           <a:p>
             <a:pPr lvl="0"/>
             <a:r>
-              <a:rPr lang="en-US" smtClean="0"/>
+              <a:rPr lang="en-US"/>
               <a:t>Click to edit Master text styles</a:t>
             </a:r>
           </a:p>
           <a:p>
             <a:pPr lvl="1"/>
             <a:r>
-              <a:rPr lang="en-US" smtClean="0"/>
+              <a:rPr lang="en-US"/>
               <a:t>Second level</a:t>
             </a:r>
           </a:p>
           <a:p>
             <a:pPr lvl="2"/>
             <a:r>
-              <a:rPr lang="en-US" smtClean="0"/>
+              <a:rPr lang="en-US"/>
               <a:t>Third level</a:t>
             </a:r>
           </a:p>
           <a:p>
             <a:pPr lvl="3"/>
             <a:r>
-              <a:rPr lang="en-US" smtClean="0"/>
+              <a:rPr lang="en-US"/>
               <a:t>Fourth level</a:t>
             </a:r>
           </a:p>
           <a:p>
             <a:pPr lvl="4"/>
             <a:r>
-              <a:rPr lang="en-US" smtClean="0"/>
+              <a:rPr lang="en-US"/>
               <a:t>Fifth level</a:t>
             </a:r>
-            <a:endParaRPr lang="en-US"/>
           </a:p>
         </p:txBody>
       </p:sp>
@@ -1619,7 +1604,7 @@
           <a:p>
             <a:fld id="{5F8C1D27-7054-4C6B-8816-BEAA3AD2E28B}" type="datetimeFigureOut">
               <a:rPr lang="en-US" smtClean="0"/>
-              <a:t>8/30/16</a:t>
+              <a:t>5/8/18</a:t>
             </a:fld>
             <a:endParaRPr lang="en-US"/>
           </a:p>
@@ -1713,10 +1698,9 @@
           <a:lstStyle/>
           <a:p>
             <a:r>
-              <a:rPr lang="en-US" smtClean="0"/>
+              <a:rPr lang="en-US"/>
               <a:t>Click to edit Master title style</a:t>
             </a:r>
-            <a:endParaRPr lang="en-US"/>
           </a:p>
         </p:txBody>
       </p:sp>
@@ -1737,7 +1721,7 @@
           <a:p>
             <a:fld id="{5F8C1D27-7054-4C6B-8816-BEAA3AD2E28B}" type="datetimeFigureOut">
               <a:rPr lang="en-US" smtClean="0"/>
-              <a:t>8/30/16</a:t>
+              <a:t>5/8/18</a:t>
             </a:fld>
             <a:endParaRPr lang="en-US"/>
           </a:p>
@@ -1832,7 +1816,7 @@
           <a:p>
             <a:fld id="{5F8C1D27-7054-4C6B-8816-BEAA3AD2E28B}" type="datetimeFigureOut">
               <a:rPr lang="en-US" smtClean="0"/>
-              <a:t>8/30/16</a:t>
+              <a:t>5/8/18</a:t>
             </a:fld>
             <a:endParaRPr lang="en-US"/>
           </a:p>
@@ -1935,10 +1919,9 @@
           </a:lstStyle>
           <a:p>
             <a:r>
-              <a:rPr lang="en-US" smtClean="0"/>
+              <a:rPr lang="en-US"/>
               <a:t>Click to edit Master title style</a:t>
             </a:r>
-            <a:endParaRPr lang="en-US"/>
           </a:p>
         </p:txBody>
       </p:sp>
@@ -1992,38 +1975,37 @@
           <a:p>
             <a:pPr lvl="0"/>
             <a:r>
-              <a:rPr lang="en-US" smtClean="0"/>
+              <a:rPr lang="en-US"/>
               <a:t>Click to edit Master text styles</a:t>
             </a:r>
           </a:p>
           <a:p>
             <a:pPr lvl="1"/>
             <a:r>
-              <a:rPr lang="en-US" smtClean="0"/>
+              <a:rPr lang="en-US"/>
               <a:t>Second level</a:t>
             </a:r>
           </a:p>
           <a:p>
             <a:pPr lvl="2"/>
             <a:r>
-              <a:rPr lang="en-US" smtClean="0"/>
+              <a:rPr lang="en-US"/>
               <a:t>Third level</a:t>
             </a:r>
           </a:p>
           <a:p>
             <a:pPr lvl="3"/>
             <a:r>
-              <a:rPr lang="en-US" smtClean="0"/>
+              <a:rPr lang="en-US"/>
               <a:t>Fourth level</a:t>
             </a:r>
           </a:p>
           <a:p>
             <a:pPr lvl="4"/>
             <a:r>
-              <a:rPr lang="en-US" smtClean="0"/>
+              <a:rPr lang="en-US"/>
               <a:t>Fifth level</a:t>
             </a:r>
-            <a:endParaRPr lang="en-US"/>
           </a:p>
         </p:txBody>
       </p:sp>
@@ -2086,7 +2068,7 @@
           <a:p>
             <a:pPr lvl="0"/>
             <a:r>
-              <a:rPr lang="en-US" smtClean="0"/>
+              <a:rPr lang="en-US"/>
               <a:t>Click to edit Master text styles</a:t>
             </a:r>
           </a:p>
@@ -2109,7 +2091,7 @@
           <a:p>
             <a:fld id="{5F8C1D27-7054-4C6B-8816-BEAA3AD2E28B}" type="datetimeFigureOut">
               <a:rPr lang="en-US" smtClean="0"/>
-              <a:t>8/30/16</a:t>
+              <a:t>5/8/18</a:t>
             </a:fld>
             <a:endParaRPr lang="en-US"/>
           </a:p>
@@ -2212,10 +2194,9 @@
           </a:lstStyle>
           <a:p>
             <a:r>
-              <a:rPr lang="en-US" smtClean="0"/>
+              <a:rPr lang="en-US"/>
               <a:t>Click to edit Master title style</a:t>
             </a:r>
-            <a:endParaRPr lang="en-US"/>
           </a:p>
         </p:txBody>
       </p:sp>
@@ -2339,7 +2320,7 @@
           <a:p>
             <a:pPr lvl="0"/>
             <a:r>
-              <a:rPr lang="en-US" smtClean="0"/>
+              <a:rPr lang="en-US"/>
               <a:t>Click to edit Master text styles</a:t>
             </a:r>
           </a:p>
@@ -2362,7 +2343,7 @@
           <a:p>
             <a:fld id="{5F8C1D27-7054-4C6B-8816-BEAA3AD2E28B}" type="datetimeFigureOut">
               <a:rPr lang="en-US" smtClean="0"/>
-              <a:t>8/30/16</a:t>
+              <a:t>5/8/18</a:t>
             </a:fld>
             <a:endParaRPr lang="en-US"/>
           </a:p>
@@ -2471,10 +2452,9 @@
           <a:lstStyle/>
           <a:p>
             <a:r>
-              <a:rPr lang="en-US" smtClean="0"/>
+              <a:rPr lang="en-US"/>
               <a:t>Click to edit Master title style</a:t>
             </a:r>
-            <a:endParaRPr lang="en-US"/>
           </a:p>
         </p:txBody>
       </p:sp>
@@ -2505,38 +2485,37 @@
           <a:p>
             <a:pPr lvl="0"/>
             <a:r>
-              <a:rPr lang="en-US" smtClean="0"/>
+              <a:rPr lang="en-US"/>
               <a:t>Click to edit Master text styles</a:t>
             </a:r>
           </a:p>
           <a:p>
             <a:pPr lvl="1"/>
             <a:r>
-              <a:rPr lang="en-US" smtClean="0"/>
+              <a:rPr lang="en-US"/>
               <a:t>Second level</a:t>
             </a:r>
           </a:p>
           <a:p>
             <a:pPr lvl="2"/>
             <a:r>
-              <a:rPr lang="en-US" smtClean="0"/>
+              <a:rPr lang="en-US"/>
               <a:t>Third level</a:t>
             </a:r>
           </a:p>
           <a:p>
             <a:pPr lvl="3"/>
             <a:r>
-              <a:rPr lang="en-US" smtClean="0"/>
+              <a:rPr lang="en-US"/>
               <a:t>Fourth level</a:t>
             </a:r>
           </a:p>
           <a:p>
             <a:pPr lvl="4"/>
             <a:r>
-              <a:rPr lang="en-US" smtClean="0"/>
+              <a:rPr lang="en-US"/>
               <a:t>Fifth level</a:t>
             </a:r>
-            <a:endParaRPr lang="en-US"/>
           </a:p>
         </p:txBody>
       </p:sp>
@@ -2575,7 +2554,7 @@
           <a:p>
             <a:fld id="{5F8C1D27-7054-4C6B-8816-BEAA3AD2E28B}" type="datetimeFigureOut">
               <a:rPr lang="en-US" smtClean="0"/>
-              <a:t>8/30/16</a:t>
+              <a:t>5/8/18</a:t>
             </a:fld>
             <a:endParaRPr lang="en-US"/>
           </a:p>
@@ -3049,7 +3028,7 @@
           <p:nvPr>
             <p:extLst>
               <p:ext uri="{D42A27DB-BD31-4B8C-83A1-F6EECF244321}">
-                <p14:modId xmlns:p14="http://schemas.microsoft.com/office/powerpoint/2010/main" val="745488801"/>
+                <p14:modId xmlns:p14="http://schemas.microsoft.com/office/powerpoint/2010/main" val="2463506975"/>
               </p:ext>
             </p:extLst>
           </p:nvPr>
@@ -3065,7 +3044,13 @@
                 <a:tableStyleId>{5C22544A-7EE6-4342-B048-85BDC9FD1C3A}</a:tableStyleId>
               </a:tblPr>
               <a:tblGrid>
-                <a:gridCol w="1153033"/>
+                <a:gridCol w="1153033">
+                  <a:extLst>
+                    <a:ext uri="{9D8B030D-6E8A-4147-A177-3AD203B41FA5}">
+                      <a16:colId xmlns:a16="http://schemas.microsoft.com/office/drawing/2014/main" val="20000"/>
+                    </a:ext>
+                  </a:extLst>
+                </a:gridCol>
               </a:tblGrid>
               <a:tr h="613987">
                 <a:tc>
@@ -3131,6 +3116,11 @@
                     </a:solidFill>
                   </a:tcPr>
                 </a:tc>
+                <a:extLst>
+                  <a:ext uri="{0D108BD9-81ED-4DB2-BD59-A6C34878D82A}">
+                    <a16:rowId xmlns:a16="http://schemas.microsoft.com/office/drawing/2014/main" val="10000"/>
+                  </a:ext>
+                </a:extLst>
               </a:tr>
               <a:tr h="613987">
                 <a:tc>
@@ -3196,6 +3186,11 @@
                     </a:solidFill>
                   </a:tcPr>
                 </a:tc>
+                <a:extLst>
+                  <a:ext uri="{0D108BD9-81ED-4DB2-BD59-A6C34878D82A}">
+                    <a16:rowId xmlns:a16="http://schemas.microsoft.com/office/drawing/2014/main" val="10001"/>
+                  </a:ext>
+                </a:extLst>
               </a:tr>
               <a:tr h="613987">
                 <a:tc>
@@ -3261,6 +3256,11 @@
                     </a:solidFill>
                   </a:tcPr>
                 </a:tc>
+                <a:extLst>
+                  <a:ext uri="{0D108BD9-81ED-4DB2-BD59-A6C34878D82A}">
+                    <a16:rowId xmlns:a16="http://schemas.microsoft.com/office/drawing/2014/main" val="10002"/>
+                  </a:ext>
+                </a:extLst>
               </a:tr>
             </a:tbl>
           </a:graphicData>
@@ -3290,10 +3290,9 @@
           <a:p>
             <a:pPr algn="ctr"/>
             <a:r>
-              <a:rPr lang="en-US" smtClean="0"/>
+              <a:rPr lang="en-US"/>
               <a:t>head</a:t>
             </a:r>
-            <a:endParaRPr lang="en-US"/>
           </a:p>
         </p:txBody>
       </p:sp>
@@ -3306,7 +3305,7 @@
           <p:nvPr>
             <p:extLst>
               <p:ext uri="{D42A27DB-BD31-4B8C-83A1-F6EECF244321}">
-                <p14:modId xmlns:p14="http://schemas.microsoft.com/office/powerpoint/2010/main" val="24288434"/>
+                <p14:modId xmlns:p14="http://schemas.microsoft.com/office/powerpoint/2010/main" val="1183942747"/>
               </p:ext>
             </p:extLst>
           </p:nvPr>
@@ -3322,7 +3321,13 @@
                 <a:tableStyleId>{5C22544A-7EE6-4342-B048-85BDC9FD1C3A}</a:tableStyleId>
               </a:tblPr>
               <a:tblGrid>
-                <a:gridCol w="1153033"/>
+                <a:gridCol w="1153033">
+                  <a:extLst>
+                    <a:ext uri="{9D8B030D-6E8A-4147-A177-3AD203B41FA5}">
+                      <a16:colId xmlns:a16="http://schemas.microsoft.com/office/drawing/2014/main" val="20000"/>
+                    </a:ext>
+                  </a:extLst>
+                </a:gridCol>
               </a:tblGrid>
               <a:tr h="613987">
                 <a:tc>
@@ -3388,6 +3393,11 @@
                     </a:solidFill>
                   </a:tcPr>
                 </a:tc>
+                <a:extLst>
+                  <a:ext uri="{0D108BD9-81ED-4DB2-BD59-A6C34878D82A}">
+                    <a16:rowId xmlns:a16="http://schemas.microsoft.com/office/drawing/2014/main" val="10000"/>
+                  </a:ext>
+                </a:extLst>
               </a:tr>
               <a:tr h="613987">
                 <a:tc>
@@ -3453,6 +3463,11 @@
                     </a:solidFill>
                   </a:tcPr>
                 </a:tc>
+                <a:extLst>
+                  <a:ext uri="{0D108BD9-81ED-4DB2-BD59-A6C34878D82A}">
+                    <a16:rowId xmlns:a16="http://schemas.microsoft.com/office/drawing/2014/main" val="10001"/>
+                  </a:ext>
+                </a:extLst>
               </a:tr>
               <a:tr h="613987">
                 <a:tc>
@@ -3518,6 +3533,11 @@
                     </a:solidFill>
                   </a:tcPr>
                 </a:tc>
+                <a:extLst>
+                  <a:ext uri="{0D108BD9-81ED-4DB2-BD59-A6C34878D82A}">
+                    <a16:rowId xmlns:a16="http://schemas.microsoft.com/office/drawing/2014/main" val="10002"/>
+                  </a:ext>
+                </a:extLst>
               </a:tr>
               <a:tr h="613987">
                 <a:tc>
@@ -3527,18 +3547,13 @@
                     <a:p>
                       <a:pPr algn="ctr"/>
                       <a:r>
-                        <a:rPr lang="en-US" sz="3200" dirty="0" smtClean="0">
+                        <a:rPr lang="en-US" sz="3200" dirty="0">
                           <a:solidFill>
                             <a:schemeClr val="tx1"/>
                           </a:solidFill>
                         </a:rPr>
                         <a:t>1</a:t>
                       </a:r>
-                      <a:endParaRPr lang="en-US" sz="3200" dirty="0">
-                        <a:solidFill>
-                          <a:schemeClr val="tx1"/>
-                        </a:solidFill>
-                      </a:endParaRPr>
                     </a:p>
                   </a:txBody>
                   <a:tcPr>
@@ -3591,6 +3606,11 @@
                     </a:solidFill>
                   </a:tcPr>
                 </a:tc>
+                <a:extLst>
+                  <a:ext uri="{0D108BD9-81ED-4DB2-BD59-A6C34878D82A}">
+                    <a16:rowId xmlns:a16="http://schemas.microsoft.com/office/drawing/2014/main" val="10003"/>
+                  </a:ext>
+                </a:extLst>
               </a:tr>
             </a:tbl>
           </a:graphicData>
@@ -3605,7 +3625,7 @@
           <p:nvPr>
             <p:extLst>
               <p:ext uri="{D42A27DB-BD31-4B8C-83A1-F6EECF244321}">
-                <p14:modId xmlns:p14="http://schemas.microsoft.com/office/powerpoint/2010/main" val="1012859032"/>
+                <p14:modId xmlns:p14="http://schemas.microsoft.com/office/powerpoint/2010/main" val="4287573181"/>
               </p:ext>
             </p:extLst>
           </p:nvPr>
@@ -3621,7 +3641,13 @@
                 <a:tableStyleId>{5C22544A-7EE6-4342-B048-85BDC9FD1C3A}</a:tableStyleId>
               </a:tblPr>
               <a:tblGrid>
-                <a:gridCol w="1153033"/>
+                <a:gridCol w="1153033">
+                  <a:extLst>
+                    <a:ext uri="{9D8B030D-6E8A-4147-A177-3AD203B41FA5}">
+                      <a16:colId xmlns:a16="http://schemas.microsoft.com/office/drawing/2014/main" val="20000"/>
+                    </a:ext>
+                  </a:extLst>
+                </a:gridCol>
               </a:tblGrid>
               <a:tr h="613987">
                 <a:tc>
@@ -3687,6 +3713,11 @@
                     </a:solidFill>
                   </a:tcPr>
                 </a:tc>
+                <a:extLst>
+                  <a:ext uri="{0D108BD9-81ED-4DB2-BD59-A6C34878D82A}">
+                    <a16:rowId xmlns:a16="http://schemas.microsoft.com/office/drawing/2014/main" val="10000"/>
+                  </a:ext>
+                </a:extLst>
               </a:tr>
               <a:tr h="613987">
                 <a:tc>
@@ -3696,18 +3727,13 @@
                     <a:p>
                       <a:pPr algn="ctr"/>
                       <a:r>
-                        <a:rPr lang="en-US" sz="3200" dirty="0" smtClean="0">
+                        <a:rPr lang="en-US" sz="3200" dirty="0">
                           <a:solidFill>
                             <a:schemeClr val="tx1"/>
                           </a:solidFill>
                         </a:rPr>
                         <a:t>3</a:t>
                       </a:r>
-                      <a:endParaRPr lang="en-US" sz="3200" dirty="0">
-                        <a:solidFill>
-                          <a:schemeClr val="tx1"/>
-                        </a:solidFill>
-                      </a:endParaRPr>
                     </a:p>
                   </a:txBody>
                   <a:tcPr>
@@ -3760,6 +3786,11 @@
                     </a:solidFill>
                   </a:tcPr>
                 </a:tc>
+                <a:extLst>
+                  <a:ext uri="{0D108BD9-81ED-4DB2-BD59-A6C34878D82A}">
+                    <a16:rowId xmlns:a16="http://schemas.microsoft.com/office/drawing/2014/main" val="10001"/>
+                  </a:ext>
+                </a:extLst>
               </a:tr>
             </a:tbl>
           </a:graphicData>
@@ -3774,7 +3805,7 @@
           <p:nvPr>
             <p:extLst>
               <p:ext uri="{D42A27DB-BD31-4B8C-83A1-F6EECF244321}">
-                <p14:modId xmlns:p14="http://schemas.microsoft.com/office/powerpoint/2010/main" val="1545354428"/>
+                <p14:modId xmlns:p14="http://schemas.microsoft.com/office/powerpoint/2010/main" val="2060562047"/>
               </p:ext>
             </p:extLst>
           </p:nvPr>
@@ -3790,7 +3821,13 @@
                 <a:tableStyleId>{5C22544A-7EE6-4342-B048-85BDC9FD1C3A}</a:tableStyleId>
               </a:tblPr>
               <a:tblGrid>
-                <a:gridCol w="1153033"/>
+                <a:gridCol w="1153033">
+                  <a:extLst>
+                    <a:ext uri="{9D8B030D-6E8A-4147-A177-3AD203B41FA5}">
+                      <a16:colId xmlns:a16="http://schemas.microsoft.com/office/drawing/2014/main" val="20000"/>
+                    </a:ext>
+                  </a:extLst>
+                </a:gridCol>
               </a:tblGrid>
               <a:tr h="613987">
                 <a:tc>
@@ -3856,6 +3893,11 @@
                     </a:solidFill>
                   </a:tcPr>
                 </a:tc>
+                <a:extLst>
+                  <a:ext uri="{0D108BD9-81ED-4DB2-BD59-A6C34878D82A}">
+                    <a16:rowId xmlns:a16="http://schemas.microsoft.com/office/drawing/2014/main" val="10000"/>
+                  </a:ext>
+                </a:extLst>
               </a:tr>
               <a:tr h="613987">
                 <a:tc>
@@ -3865,18 +3907,13 @@
                     <a:p>
                       <a:pPr algn="ctr"/>
                       <a:r>
-                        <a:rPr lang="en-US" sz="3200" dirty="0" smtClean="0">
+                        <a:rPr lang="en-US" sz="3200" dirty="0">
                           <a:solidFill>
                             <a:schemeClr val="tx1"/>
                           </a:solidFill>
                         </a:rPr>
                         <a:t>7</a:t>
                       </a:r>
-                      <a:endParaRPr lang="en-US" sz="3200" dirty="0">
-                        <a:solidFill>
-                          <a:schemeClr val="tx1"/>
-                        </a:solidFill>
-                      </a:endParaRPr>
                     </a:p>
                   </a:txBody>
                   <a:tcPr>
@@ -3929,6 +3966,11 @@
                     </a:solidFill>
                   </a:tcPr>
                 </a:tc>
+                <a:extLst>
+                  <a:ext uri="{0D108BD9-81ED-4DB2-BD59-A6C34878D82A}">
+                    <a16:rowId xmlns:a16="http://schemas.microsoft.com/office/drawing/2014/main" val="10001"/>
+                  </a:ext>
+                </a:extLst>
               </a:tr>
             </a:tbl>
           </a:graphicData>
@@ -3943,7 +3985,7 @@
           <p:nvPr>
             <p:extLst>
               <p:ext uri="{D42A27DB-BD31-4B8C-83A1-F6EECF244321}">
-                <p14:modId xmlns:p14="http://schemas.microsoft.com/office/powerpoint/2010/main" val="2096734406"/>
+                <p14:modId xmlns:p14="http://schemas.microsoft.com/office/powerpoint/2010/main" val="1851758115"/>
               </p:ext>
             </p:extLst>
           </p:nvPr>
@@ -3959,7 +4001,13 @@
                 <a:tableStyleId>{5C22544A-7EE6-4342-B048-85BDC9FD1C3A}</a:tableStyleId>
               </a:tblPr>
               <a:tblGrid>
-                <a:gridCol w="1153033"/>
+                <a:gridCol w="1153033">
+                  <a:extLst>
+                    <a:ext uri="{9D8B030D-6E8A-4147-A177-3AD203B41FA5}">
+                      <a16:colId xmlns:a16="http://schemas.microsoft.com/office/drawing/2014/main" val="20000"/>
+                    </a:ext>
+                  </a:extLst>
+                </a:gridCol>
               </a:tblGrid>
               <a:tr h="613987">
                 <a:tc>
@@ -4025,6 +4073,11 @@
                     </a:solidFill>
                   </a:tcPr>
                 </a:tc>
+                <a:extLst>
+                  <a:ext uri="{0D108BD9-81ED-4DB2-BD59-A6C34878D82A}">
+                    <a16:rowId xmlns:a16="http://schemas.microsoft.com/office/drawing/2014/main" val="10000"/>
+                  </a:ext>
+                </a:extLst>
               </a:tr>
               <a:tr h="613987">
                 <a:tc>
@@ -4090,6 +4143,11 @@
                     </a:solidFill>
                   </a:tcPr>
                 </a:tc>
+                <a:extLst>
+                  <a:ext uri="{0D108BD9-81ED-4DB2-BD59-A6C34878D82A}">
+                    <a16:rowId xmlns:a16="http://schemas.microsoft.com/office/drawing/2014/main" val="10001"/>
+                  </a:ext>
+                </a:extLst>
               </a:tr>
               <a:tr h="613987">
                 <a:tc>
@@ -4155,6 +4213,11 @@
                     </a:solidFill>
                   </a:tcPr>
                 </a:tc>
+                <a:extLst>
+                  <a:ext uri="{0D108BD9-81ED-4DB2-BD59-A6C34878D82A}">
+                    <a16:rowId xmlns:a16="http://schemas.microsoft.com/office/drawing/2014/main" val="10002"/>
+                  </a:ext>
+                </a:extLst>
               </a:tr>
               <a:tr h="613987">
                 <a:tc>
@@ -4164,18 +4227,13 @@
                     <a:p>
                       <a:pPr algn="ctr"/>
                       <a:r>
-                        <a:rPr lang="en-US" sz="3200" dirty="0" smtClean="0">
+                        <a:rPr lang="en-US" sz="3200" dirty="0">
                           <a:solidFill>
                             <a:schemeClr val="tx1"/>
                           </a:solidFill>
                         </a:rPr>
                         <a:t>9</a:t>
                       </a:r>
-                      <a:endParaRPr lang="en-US" sz="3200" dirty="0">
-                        <a:solidFill>
-                          <a:schemeClr val="tx1"/>
-                        </a:solidFill>
-                      </a:endParaRPr>
                     </a:p>
                   </a:txBody>
                   <a:tcPr>
@@ -4228,6 +4286,11 @@
                     </a:solidFill>
                   </a:tcPr>
                 </a:tc>
+                <a:extLst>
+                  <a:ext uri="{0D108BD9-81ED-4DB2-BD59-A6C34878D82A}">
+                    <a16:rowId xmlns:a16="http://schemas.microsoft.com/office/drawing/2014/main" val="10003"/>
+                  </a:ext>
+                </a:extLst>
               </a:tr>
             </a:tbl>
           </a:graphicData>
@@ -4560,7 +4623,7 @@
           <p:nvPr>
             <p:extLst>
               <p:ext uri="{D42A27DB-BD31-4B8C-83A1-F6EECF244321}">
-                <p14:modId xmlns:p14="http://schemas.microsoft.com/office/powerpoint/2010/main" val="745488801"/>
+                <p14:modId xmlns:p14="http://schemas.microsoft.com/office/powerpoint/2010/main" val="1875410207"/>
               </p:ext>
             </p:extLst>
           </p:nvPr>
@@ -4576,7 +4639,13 @@
                 <a:tableStyleId>{5C22544A-7EE6-4342-B048-85BDC9FD1C3A}</a:tableStyleId>
               </a:tblPr>
               <a:tblGrid>
-                <a:gridCol w="1153033"/>
+                <a:gridCol w="1153033">
+                  <a:extLst>
+                    <a:ext uri="{9D8B030D-6E8A-4147-A177-3AD203B41FA5}">
+                      <a16:colId xmlns:a16="http://schemas.microsoft.com/office/drawing/2014/main" val="20000"/>
+                    </a:ext>
+                  </a:extLst>
+                </a:gridCol>
               </a:tblGrid>
               <a:tr h="613987">
                 <a:tc>
@@ -4642,6 +4711,11 @@
                     </a:solidFill>
                   </a:tcPr>
                 </a:tc>
+                <a:extLst>
+                  <a:ext uri="{0D108BD9-81ED-4DB2-BD59-A6C34878D82A}">
+                    <a16:rowId xmlns:a16="http://schemas.microsoft.com/office/drawing/2014/main" val="10000"/>
+                  </a:ext>
+                </a:extLst>
               </a:tr>
               <a:tr h="613987">
                 <a:tc>
@@ -4707,6 +4781,11 @@
                     </a:solidFill>
                   </a:tcPr>
                 </a:tc>
+                <a:extLst>
+                  <a:ext uri="{0D108BD9-81ED-4DB2-BD59-A6C34878D82A}">
+                    <a16:rowId xmlns:a16="http://schemas.microsoft.com/office/drawing/2014/main" val="10001"/>
+                  </a:ext>
+                </a:extLst>
               </a:tr>
               <a:tr h="613987">
                 <a:tc>
@@ -4772,6 +4851,11 @@
                     </a:solidFill>
                   </a:tcPr>
                 </a:tc>
+                <a:extLst>
+                  <a:ext uri="{0D108BD9-81ED-4DB2-BD59-A6C34878D82A}">
+                    <a16:rowId xmlns:a16="http://schemas.microsoft.com/office/drawing/2014/main" val="10002"/>
+                  </a:ext>
+                </a:extLst>
               </a:tr>
             </a:tbl>
           </a:graphicData>
@@ -4801,10 +4885,9 @@
           <a:p>
             <a:pPr algn="ctr"/>
             <a:r>
-              <a:rPr lang="en-US" smtClean="0"/>
+              <a:rPr lang="en-US"/>
               <a:t>head</a:t>
             </a:r>
-            <a:endParaRPr lang="en-US"/>
           </a:p>
         </p:txBody>
       </p:sp>
@@ -4817,7 +4900,7 @@
           <p:nvPr>
             <p:extLst>
               <p:ext uri="{D42A27DB-BD31-4B8C-83A1-F6EECF244321}">
-                <p14:modId xmlns:p14="http://schemas.microsoft.com/office/powerpoint/2010/main" val="24288434"/>
+                <p14:modId xmlns:p14="http://schemas.microsoft.com/office/powerpoint/2010/main" val="3479732998"/>
               </p:ext>
             </p:extLst>
           </p:nvPr>
@@ -4833,7 +4916,13 @@
                 <a:tableStyleId>{5C22544A-7EE6-4342-B048-85BDC9FD1C3A}</a:tableStyleId>
               </a:tblPr>
               <a:tblGrid>
-                <a:gridCol w="1153033"/>
+                <a:gridCol w="1153033">
+                  <a:extLst>
+                    <a:ext uri="{9D8B030D-6E8A-4147-A177-3AD203B41FA5}">
+                      <a16:colId xmlns:a16="http://schemas.microsoft.com/office/drawing/2014/main" val="20000"/>
+                    </a:ext>
+                  </a:extLst>
+                </a:gridCol>
               </a:tblGrid>
               <a:tr h="613987">
                 <a:tc>
@@ -4899,6 +4988,11 @@
                     </a:solidFill>
                   </a:tcPr>
                 </a:tc>
+                <a:extLst>
+                  <a:ext uri="{0D108BD9-81ED-4DB2-BD59-A6C34878D82A}">
+                    <a16:rowId xmlns:a16="http://schemas.microsoft.com/office/drawing/2014/main" val="10000"/>
+                  </a:ext>
+                </a:extLst>
               </a:tr>
               <a:tr h="613987">
                 <a:tc>
@@ -4964,6 +5058,11 @@
                     </a:solidFill>
                   </a:tcPr>
                 </a:tc>
+                <a:extLst>
+                  <a:ext uri="{0D108BD9-81ED-4DB2-BD59-A6C34878D82A}">
+                    <a16:rowId xmlns:a16="http://schemas.microsoft.com/office/drawing/2014/main" val="10001"/>
+                  </a:ext>
+                </a:extLst>
               </a:tr>
               <a:tr h="613987">
                 <a:tc>
@@ -5029,6 +5128,11 @@
                     </a:solidFill>
                   </a:tcPr>
                 </a:tc>
+                <a:extLst>
+                  <a:ext uri="{0D108BD9-81ED-4DB2-BD59-A6C34878D82A}">
+                    <a16:rowId xmlns:a16="http://schemas.microsoft.com/office/drawing/2014/main" val="10002"/>
+                  </a:ext>
+                </a:extLst>
               </a:tr>
               <a:tr h="613987">
                 <a:tc>
@@ -5038,18 +5142,13 @@
                     <a:p>
                       <a:pPr algn="ctr"/>
                       <a:r>
-                        <a:rPr lang="en-US" sz="3200" dirty="0" smtClean="0">
+                        <a:rPr lang="en-US" sz="3200" dirty="0">
                           <a:solidFill>
                             <a:schemeClr val="tx1"/>
                           </a:solidFill>
                         </a:rPr>
                         <a:t>1</a:t>
                       </a:r>
-                      <a:endParaRPr lang="en-US" sz="3200" dirty="0">
-                        <a:solidFill>
-                          <a:schemeClr val="tx1"/>
-                        </a:solidFill>
-                      </a:endParaRPr>
                     </a:p>
                   </a:txBody>
                   <a:tcPr>
@@ -5102,6 +5201,11 @@
                     </a:solidFill>
                   </a:tcPr>
                 </a:tc>
+                <a:extLst>
+                  <a:ext uri="{0D108BD9-81ED-4DB2-BD59-A6C34878D82A}">
+                    <a16:rowId xmlns:a16="http://schemas.microsoft.com/office/drawing/2014/main" val="10003"/>
+                  </a:ext>
+                </a:extLst>
               </a:tr>
             </a:tbl>
           </a:graphicData>
@@ -5116,7 +5220,7 @@
           <p:nvPr>
             <p:extLst>
               <p:ext uri="{D42A27DB-BD31-4B8C-83A1-F6EECF244321}">
-                <p14:modId xmlns:p14="http://schemas.microsoft.com/office/powerpoint/2010/main" val="1012859032"/>
+                <p14:modId xmlns:p14="http://schemas.microsoft.com/office/powerpoint/2010/main" val="600115571"/>
               </p:ext>
             </p:extLst>
           </p:nvPr>
@@ -5132,7 +5236,13 @@
                 <a:tableStyleId>{5C22544A-7EE6-4342-B048-85BDC9FD1C3A}</a:tableStyleId>
               </a:tblPr>
               <a:tblGrid>
-                <a:gridCol w="1153033"/>
+                <a:gridCol w="1153033">
+                  <a:extLst>
+                    <a:ext uri="{9D8B030D-6E8A-4147-A177-3AD203B41FA5}">
+                      <a16:colId xmlns:a16="http://schemas.microsoft.com/office/drawing/2014/main" val="20000"/>
+                    </a:ext>
+                  </a:extLst>
+                </a:gridCol>
               </a:tblGrid>
               <a:tr h="613987">
                 <a:tc>
@@ -5198,6 +5308,11 @@
                     </a:solidFill>
                   </a:tcPr>
                 </a:tc>
+                <a:extLst>
+                  <a:ext uri="{0D108BD9-81ED-4DB2-BD59-A6C34878D82A}">
+                    <a16:rowId xmlns:a16="http://schemas.microsoft.com/office/drawing/2014/main" val="10000"/>
+                  </a:ext>
+                </a:extLst>
               </a:tr>
               <a:tr h="613987">
                 <a:tc>
@@ -5207,18 +5322,13 @@
                     <a:p>
                       <a:pPr algn="ctr"/>
                       <a:r>
-                        <a:rPr lang="en-US" sz="3200" dirty="0" smtClean="0">
+                        <a:rPr lang="en-US" sz="3200" dirty="0">
                           <a:solidFill>
                             <a:schemeClr val="tx1"/>
                           </a:solidFill>
                         </a:rPr>
                         <a:t>3</a:t>
                       </a:r>
-                      <a:endParaRPr lang="en-US" sz="3200" dirty="0">
-                        <a:solidFill>
-                          <a:schemeClr val="tx1"/>
-                        </a:solidFill>
-                      </a:endParaRPr>
                     </a:p>
                   </a:txBody>
                   <a:tcPr>
@@ -5271,6 +5381,11 @@
                     </a:solidFill>
                   </a:tcPr>
                 </a:tc>
+                <a:extLst>
+                  <a:ext uri="{0D108BD9-81ED-4DB2-BD59-A6C34878D82A}">
+                    <a16:rowId xmlns:a16="http://schemas.microsoft.com/office/drawing/2014/main" val="10001"/>
+                  </a:ext>
+                </a:extLst>
               </a:tr>
             </a:tbl>
           </a:graphicData>
@@ -5285,7 +5400,7 @@
           <p:nvPr>
             <p:extLst>
               <p:ext uri="{D42A27DB-BD31-4B8C-83A1-F6EECF244321}">
-                <p14:modId xmlns:p14="http://schemas.microsoft.com/office/powerpoint/2010/main" val="1545354428"/>
+                <p14:modId xmlns:p14="http://schemas.microsoft.com/office/powerpoint/2010/main" val="3691745556"/>
               </p:ext>
             </p:extLst>
           </p:nvPr>
@@ -5301,7 +5416,13 @@
                 <a:tableStyleId>{5C22544A-7EE6-4342-B048-85BDC9FD1C3A}</a:tableStyleId>
               </a:tblPr>
               <a:tblGrid>
-                <a:gridCol w="1153033"/>
+                <a:gridCol w="1153033">
+                  <a:extLst>
+                    <a:ext uri="{9D8B030D-6E8A-4147-A177-3AD203B41FA5}">
+                      <a16:colId xmlns:a16="http://schemas.microsoft.com/office/drawing/2014/main" val="20000"/>
+                    </a:ext>
+                  </a:extLst>
+                </a:gridCol>
               </a:tblGrid>
               <a:tr h="613987">
                 <a:tc>
@@ -5367,6 +5488,11 @@
                     </a:solidFill>
                   </a:tcPr>
                 </a:tc>
+                <a:extLst>
+                  <a:ext uri="{0D108BD9-81ED-4DB2-BD59-A6C34878D82A}">
+                    <a16:rowId xmlns:a16="http://schemas.microsoft.com/office/drawing/2014/main" val="10000"/>
+                  </a:ext>
+                </a:extLst>
               </a:tr>
               <a:tr h="613987">
                 <a:tc>
@@ -5376,18 +5502,13 @@
                     <a:p>
                       <a:pPr algn="ctr"/>
                       <a:r>
-                        <a:rPr lang="en-US" sz="3200" dirty="0" smtClean="0">
+                        <a:rPr lang="en-US" sz="3200" dirty="0">
                           <a:solidFill>
                             <a:schemeClr val="tx1"/>
                           </a:solidFill>
                         </a:rPr>
                         <a:t>7</a:t>
                       </a:r>
-                      <a:endParaRPr lang="en-US" sz="3200" dirty="0">
-                        <a:solidFill>
-                          <a:schemeClr val="tx1"/>
-                        </a:solidFill>
-                      </a:endParaRPr>
                     </a:p>
                   </a:txBody>
                   <a:tcPr>
@@ -5440,6 +5561,11 @@
                     </a:solidFill>
                   </a:tcPr>
                 </a:tc>
+                <a:extLst>
+                  <a:ext uri="{0D108BD9-81ED-4DB2-BD59-A6C34878D82A}">
+                    <a16:rowId xmlns:a16="http://schemas.microsoft.com/office/drawing/2014/main" val="10001"/>
+                  </a:ext>
+                </a:extLst>
               </a:tr>
             </a:tbl>
           </a:graphicData>
@@ -5454,7 +5580,7 @@
           <p:nvPr>
             <p:extLst>
               <p:ext uri="{D42A27DB-BD31-4B8C-83A1-F6EECF244321}">
-                <p14:modId xmlns:p14="http://schemas.microsoft.com/office/powerpoint/2010/main" val="2096734406"/>
+                <p14:modId xmlns:p14="http://schemas.microsoft.com/office/powerpoint/2010/main" val="2678276790"/>
               </p:ext>
             </p:extLst>
           </p:nvPr>
@@ -5470,7 +5596,13 @@
                 <a:tableStyleId>{5C22544A-7EE6-4342-B048-85BDC9FD1C3A}</a:tableStyleId>
               </a:tblPr>
               <a:tblGrid>
-                <a:gridCol w="1153033"/>
+                <a:gridCol w="1153033">
+                  <a:extLst>
+                    <a:ext uri="{9D8B030D-6E8A-4147-A177-3AD203B41FA5}">
+                      <a16:colId xmlns:a16="http://schemas.microsoft.com/office/drawing/2014/main" val="20000"/>
+                    </a:ext>
+                  </a:extLst>
+                </a:gridCol>
               </a:tblGrid>
               <a:tr h="613987">
                 <a:tc>
@@ -5536,6 +5668,11 @@
                     </a:solidFill>
                   </a:tcPr>
                 </a:tc>
+                <a:extLst>
+                  <a:ext uri="{0D108BD9-81ED-4DB2-BD59-A6C34878D82A}">
+                    <a16:rowId xmlns:a16="http://schemas.microsoft.com/office/drawing/2014/main" val="10000"/>
+                  </a:ext>
+                </a:extLst>
               </a:tr>
               <a:tr h="613987">
                 <a:tc>
@@ -5601,6 +5738,11 @@
                     </a:solidFill>
                   </a:tcPr>
                 </a:tc>
+                <a:extLst>
+                  <a:ext uri="{0D108BD9-81ED-4DB2-BD59-A6C34878D82A}">
+                    <a16:rowId xmlns:a16="http://schemas.microsoft.com/office/drawing/2014/main" val="10001"/>
+                  </a:ext>
+                </a:extLst>
               </a:tr>
               <a:tr h="613987">
                 <a:tc>
@@ -5666,6 +5808,11 @@
                     </a:solidFill>
                   </a:tcPr>
                 </a:tc>
+                <a:extLst>
+                  <a:ext uri="{0D108BD9-81ED-4DB2-BD59-A6C34878D82A}">
+                    <a16:rowId xmlns:a16="http://schemas.microsoft.com/office/drawing/2014/main" val="10002"/>
+                  </a:ext>
+                </a:extLst>
               </a:tr>
               <a:tr h="613987">
                 <a:tc>
@@ -5675,18 +5822,13 @@
                     <a:p>
                       <a:pPr algn="ctr"/>
                       <a:r>
-                        <a:rPr lang="en-US" sz="3200" dirty="0" smtClean="0">
+                        <a:rPr lang="en-US" sz="3200" dirty="0">
                           <a:solidFill>
                             <a:schemeClr val="tx1"/>
                           </a:solidFill>
                         </a:rPr>
                         <a:t>9</a:t>
                       </a:r>
-                      <a:endParaRPr lang="en-US" sz="3200" dirty="0">
-                        <a:solidFill>
-                          <a:schemeClr val="tx1"/>
-                        </a:solidFill>
-                      </a:endParaRPr>
                     </a:p>
                   </a:txBody>
                   <a:tcPr>
@@ -5739,6 +5881,11 @@
                     </a:solidFill>
                   </a:tcPr>
                 </a:tc>
+                <a:extLst>
+                  <a:ext uri="{0D108BD9-81ED-4DB2-BD59-A6C34878D82A}">
+                    <a16:rowId xmlns:a16="http://schemas.microsoft.com/office/drawing/2014/main" val="10003"/>
+                  </a:ext>
+                </a:extLst>
               </a:tr>
             </a:tbl>
           </a:graphicData>
@@ -6041,7 +6188,7 @@
           <p:nvPr>
             <p:extLst>
               <p:ext uri="{D42A27DB-BD31-4B8C-83A1-F6EECF244321}">
-                <p14:modId xmlns:p14="http://schemas.microsoft.com/office/powerpoint/2010/main" val="1903718012"/>
+                <p14:modId xmlns:p14="http://schemas.microsoft.com/office/powerpoint/2010/main" val="653111064"/>
               </p:ext>
             </p:extLst>
           </p:nvPr>
@@ -6057,7 +6204,13 @@
                 <a:tableStyleId>{5C22544A-7EE6-4342-B048-85BDC9FD1C3A}</a:tableStyleId>
               </a:tblPr>
               <a:tblGrid>
-                <a:gridCol w="1153033"/>
+                <a:gridCol w="1153033">
+                  <a:extLst>
+                    <a:ext uri="{9D8B030D-6E8A-4147-A177-3AD203B41FA5}">
+                      <a16:colId xmlns:a16="http://schemas.microsoft.com/office/drawing/2014/main" val="20000"/>
+                    </a:ext>
+                  </a:extLst>
+                </a:gridCol>
               </a:tblGrid>
               <a:tr h="613987">
                 <a:tc>
@@ -6123,6 +6276,11 @@
                     </a:solidFill>
                   </a:tcPr>
                 </a:tc>
+                <a:extLst>
+                  <a:ext uri="{0D108BD9-81ED-4DB2-BD59-A6C34878D82A}">
+                    <a16:rowId xmlns:a16="http://schemas.microsoft.com/office/drawing/2014/main" val="10000"/>
+                  </a:ext>
+                </a:extLst>
               </a:tr>
               <a:tr h="613987">
                 <a:tc>
@@ -6188,6 +6346,11 @@
                     </a:solidFill>
                   </a:tcPr>
                 </a:tc>
+                <a:extLst>
+                  <a:ext uri="{0D108BD9-81ED-4DB2-BD59-A6C34878D82A}">
+                    <a16:rowId xmlns:a16="http://schemas.microsoft.com/office/drawing/2014/main" val="10001"/>
+                  </a:ext>
+                </a:extLst>
               </a:tr>
               <a:tr h="613987">
                 <a:tc>
@@ -6197,18 +6360,13 @@
                     <a:p>
                       <a:pPr algn="ctr"/>
                       <a:r>
-                        <a:rPr lang="en-US" sz="3200" dirty="0" smtClean="0">
+                        <a:rPr lang="en-US" sz="3200" dirty="0">
                           <a:solidFill>
                             <a:schemeClr val="tx1"/>
                           </a:solidFill>
                         </a:rPr>
                         <a:t>5</a:t>
                       </a:r>
-                      <a:endParaRPr lang="en-US" sz="3200" dirty="0">
-                        <a:solidFill>
-                          <a:schemeClr val="tx1"/>
-                        </a:solidFill>
-                      </a:endParaRPr>
                     </a:p>
                   </a:txBody>
                   <a:tcPr>
@@ -6261,6 +6419,11 @@
                     </a:solidFill>
                   </a:tcPr>
                 </a:tc>
+                <a:extLst>
+                  <a:ext uri="{0D108BD9-81ED-4DB2-BD59-A6C34878D82A}">
+                    <a16:rowId xmlns:a16="http://schemas.microsoft.com/office/drawing/2014/main" val="10002"/>
+                  </a:ext>
+                </a:extLst>
               </a:tr>
             </a:tbl>
           </a:graphicData>
@@ -6437,7 +6600,7 @@
           <p:nvPr>
             <p:extLst>
               <p:ext uri="{D42A27DB-BD31-4B8C-83A1-F6EECF244321}">
-                <p14:modId xmlns:p14="http://schemas.microsoft.com/office/powerpoint/2010/main" val="745488801"/>
+                <p14:modId xmlns:p14="http://schemas.microsoft.com/office/powerpoint/2010/main" val="1253072618"/>
               </p:ext>
             </p:extLst>
           </p:nvPr>
@@ -6453,7 +6616,13 @@
                 <a:tableStyleId>{5C22544A-7EE6-4342-B048-85BDC9FD1C3A}</a:tableStyleId>
               </a:tblPr>
               <a:tblGrid>
-                <a:gridCol w="1153033"/>
+                <a:gridCol w="1153033">
+                  <a:extLst>
+                    <a:ext uri="{9D8B030D-6E8A-4147-A177-3AD203B41FA5}">
+                      <a16:colId xmlns:a16="http://schemas.microsoft.com/office/drawing/2014/main" val="20000"/>
+                    </a:ext>
+                  </a:extLst>
+                </a:gridCol>
               </a:tblGrid>
               <a:tr h="613987">
                 <a:tc>
@@ -6519,6 +6688,11 @@
                     </a:solidFill>
                   </a:tcPr>
                 </a:tc>
+                <a:extLst>
+                  <a:ext uri="{0D108BD9-81ED-4DB2-BD59-A6C34878D82A}">
+                    <a16:rowId xmlns:a16="http://schemas.microsoft.com/office/drawing/2014/main" val="10000"/>
+                  </a:ext>
+                </a:extLst>
               </a:tr>
               <a:tr h="613987">
                 <a:tc>
@@ -6584,6 +6758,11 @@
                     </a:solidFill>
                   </a:tcPr>
                 </a:tc>
+                <a:extLst>
+                  <a:ext uri="{0D108BD9-81ED-4DB2-BD59-A6C34878D82A}">
+                    <a16:rowId xmlns:a16="http://schemas.microsoft.com/office/drawing/2014/main" val="10001"/>
+                  </a:ext>
+                </a:extLst>
               </a:tr>
               <a:tr h="613987">
                 <a:tc>
@@ -6649,6 +6828,11 @@
                     </a:solidFill>
                   </a:tcPr>
                 </a:tc>
+                <a:extLst>
+                  <a:ext uri="{0D108BD9-81ED-4DB2-BD59-A6C34878D82A}">
+                    <a16:rowId xmlns:a16="http://schemas.microsoft.com/office/drawing/2014/main" val="10002"/>
+                  </a:ext>
+                </a:extLst>
               </a:tr>
             </a:tbl>
           </a:graphicData>
@@ -6678,10 +6862,9 @@
           <a:p>
             <a:pPr algn="ctr"/>
             <a:r>
-              <a:rPr lang="en-US" smtClean="0"/>
+              <a:rPr lang="en-US"/>
               <a:t>head</a:t>
             </a:r>
-            <a:endParaRPr lang="en-US"/>
           </a:p>
         </p:txBody>
       </p:sp>
@@ -6694,7 +6877,7 @@
           <p:nvPr>
             <p:extLst>
               <p:ext uri="{D42A27DB-BD31-4B8C-83A1-F6EECF244321}">
-                <p14:modId xmlns:p14="http://schemas.microsoft.com/office/powerpoint/2010/main" val="24288434"/>
+                <p14:modId xmlns:p14="http://schemas.microsoft.com/office/powerpoint/2010/main" val="1423595584"/>
               </p:ext>
             </p:extLst>
           </p:nvPr>
@@ -6710,7 +6893,13 @@
                 <a:tableStyleId>{5C22544A-7EE6-4342-B048-85BDC9FD1C3A}</a:tableStyleId>
               </a:tblPr>
               <a:tblGrid>
-                <a:gridCol w="1153033"/>
+                <a:gridCol w="1153033">
+                  <a:extLst>
+                    <a:ext uri="{9D8B030D-6E8A-4147-A177-3AD203B41FA5}">
+                      <a16:colId xmlns:a16="http://schemas.microsoft.com/office/drawing/2014/main" val="20000"/>
+                    </a:ext>
+                  </a:extLst>
+                </a:gridCol>
               </a:tblGrid>
               <a:tr h="613987">
                 <a:tc>
@@ -6776,6 +6965,11 @@
                     </a:solidFill>
                   </a:tcPr>
                 </a:tc>
+                <a:extLst>
+                  <a:ext uri="{0D108BD9-81ED-4DB2-BD59-A6C34878D82A}">
+                    <a16:rowId xmlns:a16="http://schemas.microsoft.com/office/drawing/2014/main" val="10000"/>
+                  </a:ext>
+                </a:extLst>
               </a:tr>
               <a:tr h="613987">
                 <a:tc>
@@ -6841,6 +7035,11 @@
                     </a:solidFill>
                   </a:tcPr>
                 </a:tc>
+                <a:extLst>
+                  <a:ext uri="{0D108BD9-81ED-4DB2-BD59-A6C34878D82A}">
+                    <a16:rowId xmlns:a16="http://schemas.microsoft.com/office/drawing/2014/main" val="10001"/>
+                  </a:ext>
+                </a:extLst>
               </a:tr>
               <a:tr h="613987">
                 <a:tc>
@@ -6906,6 +7105,11 @@
                     </a:solidFill>
                   </a:tcPr>
                 </a:tc>
+                <a:extLst>
+                  <a:ext uri="{0D108BD9-81ED-4DB2-BD59-A6C34878D82A}">
+                    <a16:rowId xmlns:a16="http://schemas.microsoft.com/office/drawing/2014/main" val="10002"/>
+                  </a:ext>
+                </a:extLst>
               </a:tr>
               <a:tr h="613987">
                 <a:tc>
@@ -6915,18 +7119,13 @@
                     <a:p>
                       <a:pPr algn="ctr"/>
                       <a:r>
-                        <a:rPr lang="en-US" sz="3200" dirty="0" smtClean="0">
+                        <a:rPr lang="en-US" sz="3200" dirty="0">
                           <a:solidFill>
                             <a:schemeClr val="tx1"/>
                           </a:solidFill>
                         </a:rPr>
                         <a:t>1</a:t>
                       </a:r>
-                      <a:endParaRPr lang="en-US" sz="3200" dirty="0">
-                        <a:solidFill>
-                          <a:schemeClr val="tx1"/>
-                        </a:solidFill>
-                      </a:endParaRPr>
                     </a:p>
                   </a:txBody>
                   <a:tcPr>
@@ -6979,6 +7178,11 @@
                     </a:solidFill>
                   </a:tcPr>
                 </a:tc>
+                <a:extLst>
+                  <a:ext uri="{0D108BD9-81ED-4DB2-BD59-A6C34878D82A}">
+                    <a16:rowId xmlns:a16="http://schemas.microsoft.com/office/drawing/2014/main" val="10003"/>
+                  </a:ext>
+                </a:extLst>
               </a:tr>
             </a:tbl>
           </a:graphicData>
@@ -6993,7 +7197,7 @@
           <p:nvPr>
             <p:extLst>
               <p:ext uri="{D42A27DB-BD31-4B8C-83A1-F6EECF244321}">
-                <p14:modId xmlns:p14="http://schemas.microsoft.com/office/powerpoint/2010/main" val="1869566732"/>
+                <p14:modId xmlns:p14="http://schemas.microsoft.com/office/powerpoint/2010/main" val="281972416"/>
               </p:ext>
             </p:extLst>
           </p:nvPr>
@@ -7009,7 +7213,13 @@
                 <a:tableStyleId>{5C22544A-7EE6-4342-B048-85BDC9FD1C3A}</a:tableStyleId>
               </a:tblPr>
               <a:tblGrid>
-                <a:gridCol w="1153033"/>
+                <a:gridCol w="1153033">
+                  <a:extLst>
+                    <a:ext uri="{9D8B030D-6E8A-4147-A177-3AD203B41FA5}">
+                      <a16:colId xmlns:a16="http://schemas.microsoft.com/office/drawing/2014/main" val="20000"/>
+                    </a:ext>
+                  </a:extLst>
+                </a:gridCol>
               </a:tblGrid>
               <a:tr h="613987">
                 <a:tc>
@@ -7075,6 +7285,11 @@
                     </a:solidFill>
                   </a:tcPr>
                 </a:tc>
+                <a:extLst>
+                  <a:ext uri="{0D108BD9-81ED-4DB2-BD59-A6C34878D82A}">
+                    <a16:rowId xmlns:a16="http://schemas.microsoft.com/office/drawing/2014/main" val="10000"/>
+                  </a:ext>
+                </a:extLst>
               </a:tr>
               <a:tr h="613987">
                 <a:tc>
@@ -7084,18 +7299,13 @@
                     <a:p>
                       <a:pPr algn="ctr"/>
                       <a:r>
-                        <a:rPr lang="en-US" sz="3200" dirty="0" smtClean="0">
+                        <a:rPr lang="en-US" sz="3200" dirty="0">
                           <a:solidFill>
                             <a:schemeClr val="tx1"/>
                           </a:solidFill>
                         </a:rPr>
                         <a:t>2</a:t>
                       </a:r>
-                      <a:endParaRPr lang="en-US" sz="3200" dirty="0">
-                        <a:solidFill>
-                          <a:schemeClr val="tx1"/>
-                        </a:solidFill>
-                      </a:endParaRPr>
                     </a:p>
                   </a:txBody>
                   <a:tcPr>
@@ -7148,6 +7358,11 @@
                     </a:solidFill>
                   </a:tcPr>
                 </a:tc>
+                <a:extLst>
+                  <a:ext uri="{0D108BD9-81ED-4DB2-BD59-A6C34878D82A}">
+                    <a16:rowId xmlns:a16="http://schemas.microsoft.com/office/drawing/2014/main" val="10001"/>
+                  </a:ext>
+                </a:extLst>
               </a:tr>
             </a:tbl>
           </a:graphicData>
@@ -7162,7 +7377,7 @@
           <p:nvPr>
             <p:extLst>
               <p:ext uri="{D42A27DB-BD31-4B8C-83A1-F6EECF244321}">
-                <p14:modId xmlns:p14="http://schemas.microsoft.com/office/powerpoint/2010/main" val="1196458103"/>
+                <p14:modId xmlns:p14="http://schemas.microsoft.com/office/powerpoint/2010/main" val="1244378328"/>
               </p:ext>
             </p:extLst>
           </p:nvPr>
@@ -7178,7 +7393,13 @@
                 <a:tableStyleId>{5C22544A-7EE6-4342-B048-85BDC9FD1C3A}</a:tableStyleId>
               </a:tblPr>
               <a:tblGrid>
-                <a:gridCol w="1153033"/>
+                <a:gridCol w="1153033">
+                  <a:extLst>
+                    <a:ext uri="{9D8B030D-6E8A-4147-A177-3AD203B41FA5}">
+                      <a16:colId xmlns:a16="http://schemas.microsoft.com/office/drawing/2014/main" val="20000"/>
+                    </a:ext>
+                  </a:extLst>
+                </a:gridCol>
               </a:tblGrid>
               <a:tr h="613987">
                 <a:tc>
@@ -7244,6 +7465,11 @@
                     </a:solidFill>
                   </a:tcPr>
                 </a:tc>
+                <a:extLst>
+                  <a:ext uri="{0D108BD9-81ED-4DB2-BD59-A6C34878D82A}">
+                    <a16:rowId xmlns:a16="http://schemas.microsoft.com/office/drawing/2014/main" val="10000"/>
+                  </a:ext>
+                </a:extLst>
               </a:tr>
               <a:tr h="613987">
                 <a:tc>
@@ -7309,6 +7535,11 @@
                     </a:solidFill>
                   </a:tcPr>
                 </a:tc>
+                <a:extLst>
+                  <a:ext uri="{0D108BD9-81ED-4DB2-BD59-A6C34878D82A}">
+                    <a16:rowId xmlns:a16="http://schemas.microsoft.com/office/drawing/2014/main" val="10001"/>
+                  </a:ext>
+                </a:extLst>
               </a:tr>
               <a:tr h="613987">
                 <a:tc>
@@ -7318,18 +7549,13 @@
                     <a:p>
                       <a:pPr algn="ctr"/>
                       <a:r>
-                        <a:rPr lang="en-US" sz="3200" dirty="0" smtClean="0">
+                        <a:rPr lang="en-US" sz="3200" dirty="0">
                           <a:solidFill>
                             <a:schemeClr val="tx1"/>
                           </a:solidFill>
                         </a:rPr>
                         <a:t>3</a:t>
                       </a:r>
-                      <a:endParaRPr lang="en-US" sz="3200" dirty="0">
-                        <a:solidFill>
-                          <a:schemeClr val="tx1"/>
-                        </a:solidFill>
-                      </a:endParaRPr>
                     </a:p>
                   </a:txBody>
                   <a:tcPr>
@@ -7382,6 +7608,11 @@
                     </a:solidFill>
                   </a:tcPr>
                 </a:tc>
+                <a:extLst>
+                  <a:ext uri="{0D108BD9-81ED-4DB2-BD59-A6C34878D82A}">
+                    <a16:rowId xmlns:a16="http://schemas.microsoft.com/office/drawing/2014/main" val="10002"/>
+                  </a:ext>
+                </a:extLst>
               </a:tr>
             </a:tbl>
           </a:graphicData>
@@ -7396,7 +7627,7 @@
           <p:nvPr>
             <p:extLst>
               <p:ext uri="{D42A27DB-BD31-4B8C-83A1-F6EECF244321}">
-                <p14:modId xmlns:p14="http://schemas.microsoft.com/office/powerpoint/2010/main" val="1372877576"/>
+                <p14:modId xmlns:p14="http://schemas.microsoft.com/office/powerpoint/2010/main" val="1596190347"/>
               </p:ext>
             </p:extLst>
           </p:nvPr>
@@ -7412,7 +7643,13 @@
                 <a:tableStyleId>{5C22544A-7EE6-4342-B048-85BDC9FD1C3A}</a:tableStyleId>
               </a:tblPr>
               <a:tblGrid>
-                <a:gridCol w="1153033"/>
+                <a:gridCol w="1153033">
+                  <a:extLst>
+                    <a:ext uri="{9D8B030D-6E8A-4147-A177-3AD203B41FA5}">
+                      <a16:colId xmlns:a16="http://schemas.microsoft.com/office/drawing/2014/main" val="20000"/>
+                    </a:ext>
+                  </a:extLst>
+                </a:gridCol>
               </a:tblGrid>
               <a:tr h="613987">
                 <a:tc>
@@ -7478,6 +7715,11 @@
                     </a:solidFill>
                   </a:tcPr>
                 </a:tc>
+                <a:extLst>
+                  <a:ext uri="{0D108BD9-81ED-4DB2-BD59-A6C34878D82A}">
+                    <a16:rowId xmlns:a16="http://schemas.microsoft.com/office/drawing/2014/main" val="10000"/>
+                  </a:ext>
+                </a:extLst>
               </a:tr>
               <a:tr h="613987">
                 <a:tc>
@@ -7487,18 +7729,13 @@
                     <a:p>
                       <a:pPr algn="ctr"/>
                       <a:r>
-                        <a:rPr lang="en-US" sz="3200" dirty="0" smtClean="0">
+                        <a:rPr lang="en-US" sz="3200" dirty="0">
                           <a:solidFill>
                             <a:schemeClr val="tx1"/>
                           </a:solidFill>
                         </a:rPr>
                         <a:t>4</a:t>
                       </a:r>
-                      <a:endParaRPr lang="en-US" sz="3200" dirty="0">
-                        <a:solidFill>
-                          <a:schemeClr val="tx1"/>
-                        </a:solidFill>
-                      </a:endParaRPr>
                     </a:p>
                   </a:txBody>
                   <a:tcPr>
@@ -7551,6 +7788,11 @@
                     </a:solidFill>
                   </a:tcPr>
                 </a:tc>
+                <a:extLst>
+                  <a:ext uri="{0D108BD9-81ED-4DB2-BD59-A6C34878D82A}">
+                    <a16:rowId xmlns:a16="http://schemas.microsoft.com/office/drawing/2014/main" val="10001"/>
+                  </a:ext>
+                </a:extLst>
               </a:tr>
             </a:tbl>
           </a:graphicData>
@@ -7565,7 +7807,7 @@
           <p:nvPr>
             <p:extLst>
               <p:ext uri="{D42A27DB-BD31-4B8C-83A1-F6EECF244321}">
-                <p14:modId xmlns:p14="http://schemas.microsoft.com/office/powerpoint/2010/main" val="1585683911"/>
+                <p14:modId xmlns:p14="http://schemas.microsoft.com/office/powerpoint/2010/main" val="206064665"/>
               </p:ext>
             </p:extLst>
           </p:nvPr>
@@ -7581,7 +7823,13 @@
                 <a:tableStyleId>{5C22544A-7EE6-4342-B048-85BDC9FD1C3A}</a:tableStyleId>
               </a:tblPr>
               <a:tblGrid>
-                <a:gridCol w="1153033"/>
+                <a:gridCol w="1153033">
+                  <a:extLst>
+                    <a:ext uri="{9D8B030D-6E8A-4147-A177-3AD203B41FA5}">
+                      <a16:colId xmlns:a16="http://schemas.microsoft.com/office/drawing/2014/main" val="20000"/>
+                    </a:ext>
+                  </a:extLst>
+                </a:gridCol>
               </a:tblGrid>
               <a:tr h="613987">
                 <a:tc>
@@ -7647,6 +7895,11 @@
                     </a:solidFill>
                   </a:tcPr>
                 </a:tc>
+                <a:extLst>
+                  <a:ext uri="{0D108BD9-81ED-4DB2-BD59-A6C34878D82A}">
+                    <a16:rowId xmlns:a16="http://schemas.microsoft.com/office/drawing/2014/main" val="10000"/>
+                  </a:ext>
+                </a:extLst>
               </a:tr>
               <a:tr h="613987">
                 <a:tc>
@@ -7712,6 +7965,11 @@
                     </a:solidFill>
                   </a:tcPr>
                 </a:tc>
+                <a:extLst>
+                  <a:ext uri="{0D108BD9-81ED-4DB2-BD59-A6C34878D82A}">
+                    <a16:rowId xmlns:a16="http://schemas.microsoft.com/office/drawing/2014/main" val="10001"/>
+                  </a:ext>
+                </a:extLst>
               </a:tr>
               <a:tr h="613987">
                 <a:tc>
@@ -7777,6 +8035,11 @@
                     </a:solidFill>
                   </a:tcPr>
                 </a:tc>
+                <a:extLst>
+                  <a:ext uri="{0D108BD9-81ED-4DB2-BD59-A6C34878D82A}">
+                    <a16:rowId xmlns:a16="http://schemas.microsoft.com/office/drawing/2014/main" val="10002"/>
+                  </a:ext>
+                </a:extLst>
               </a:tr>
               <a:tr h="613987">
                 <a:tc>
@@ -7786,18 +8049,13 @@
                     <a:p>
                       <a:pPr algn="ctr"/>
                       <a:r>
-                        <a:rPr lang="en-US" sz="3200" dirty="0" smtClean="0">
+                        <a:rPr lang="en-US" sz="3200" dirty="0">
                           <a:solidFill>
                             <a:schemeClr val="tx1"/>
                           </a:solidFill>
                         </a:rPr>
                         <a:t>5</a:t>
                       </a:r>
-                      <a:endParaRPr lang="en-US" sz="3200" dirty="0">
-                        <a:solidFill>
-                          <a:schemeClr val="tx1"/>
-                        </a:solidFill>
-                      </a:endParaRPr>
                     </a:p>
                   </a:txBody>
                   <a:tcPr>
@@ -7850,6 +8108,11 @@
                     </a:solidFill>
                   </a:tcPr>
                 </a:tc>
+                <a:extLst>
+                  <a:ext uri="{0D108BD9-81ED-4DB2-BD59-A6C34878D82A}">
+                    <a16:rowId xmlns:a16="http://schemas.microsoft.com/office/drawing/2014/main" val="10003"/>
+                  </a:ext>
+                </a:extLst>
               </a:tr>
             </a:tbl>
           </a:graphicData>
@@ -8254,7 +8517,7 @@
           <p:nvPr>
             <p:extLst>
               <p:ext uri="{D42A27DB-BD31-4B8C-83A1-F6EECF244321}">
-                <p14:modId xmlns:p14="http://schemas.microsoft.com/office/powerpoint/2010/main" val="745488801"/>
+                <p14:modId xmlns:p14="http://schemas.microsoft.com/office/powerpoint/2010/main" val="3595717842"/>
               </p:ext>
             </p:extLst>
           </p:nvPr>
@@ -8270,7 +8533,13 @@
                 <a:tableStyleId>{5C22544A-7EE6-4342-B048-85BDC9FD1C3A}</a:tableStyleId>
               </a:tblPr>
               <a:tblGrid>
-                <a:gridCol w="1153033"/>
+                <a:gridCol w="1153033">
+                  <a:extLst>
+                    <a:ext uri="{9D8B030D-6E8A-4147-A177-3AD203B41FA5}">
+                      <a16:colId xmlns:a16="http://schemas.microsoft.com/office/drawing/2014/main" val="20000"/>
+                    </a:ext>
+                  </a:extLst>
+                </a:gridCol>
               </a:tblGrid>
               <a:tr h="613987">
                 <a:tc>
@@ -8336,6 +8605,11 @@
                     </a:solidFill>
                   </a:tcPr>
                 </a:tc>
+                <a:extLst>
+                  <a:ext uri="{0D108BD9-81ED-4DB2-BD59-A6C34878D82A}">
+                    <a16:rowId xmlns:a16="http://schemas.microsoft.com/office/drawing/2014/main" val="10000"/>
+                  </a:ext>
+                </a:extLst>
               </a:tr>
               <a:tr h="613987">
                 <a:tc>
@@ -8401,6 +8675,11 @@
                     </a:solidFill>
                   </a:tcPr>
                 </a:tc>
+                <a:extLst>
+                  <a:ext uri="{0D108BD9-81ED-4DB2-BD59-A6C34878D82A}">
+                    <a16:rowId xmlns:a16="http://schemas.microsoft.com/office/drawing/2014/main" val="10001"/>
+                  </a:ext>
+                </a:extLst>
               </a:tr>
               <a:tr h="613987">
                 <a:tc>
@@ -8466,6 +8745,11 @@
                     </a:solidFill>
                   </a:tcPr>
                 </a:tc>
+                <a:extLst>
+                  <a:ext uri="{0D108BD9-81ED-4DB2-BD59-A6C34878D82A}">
+                    <a16:rowId xmlns:a16="http://schemas.microsoft.com/office/drawing/2014/main" val="10002"/>
+                  </a:ext>
+                </a:extLst>
               </a:tr>
             </a:tbl>
           </a:graphicData>
@@ -8495,10 +8779,9 @@
           <a:p>
             <a:pPr algn="ctr"/>
             <a:r>
-              <a:rPr lang="en-US" smtClean="0"/>
+              <a:rPr lang="en-US"/>
               <a:t>head</a:t>
             </a:r>
-            <a:endParaRPr lang="en-US"/>
           </a:p>
         </p:txBody>
       </p:sp>
@@ -8511,7 +8794,7 @@
           <p:nvPr>
             <p:extLst>
               <p:ext uri="{D42A27DB-BD31-4B8C-83A1-F6EECF244321}">
-                <p14:modId xmlns:p14="http://schemas.microsoft.com/office/powerpoint/2010/main" val="640262267"/>
+                <p14:modId xmlns:p14="http://schemas.microsoft.com/office/powerpoint/2010/main" val="3698346783"/>
               </p:ext>
             </p:extLst>
           </p:nvPr>
@@ -8527,7 +8810,13 @@
                 <a:tableStyleId>{5C22544A-7EE6-4342-B048-85BDC9FD1C3A}</a:tableStyleId>
               </a:tblPr>
               <a:tblGrid>
-                <a:gridCol w="1153033"/>
+                <a:gridCol w="1153033">
+                  <a:extLst>
+                    <a:ext uri="{9D8B030D-6E8A-4147-A177-3AD203B41FA5}">
+                      <a16:colId xmlns:a16="http://schemas.microsoft.com/office/drawing/2014/main" val="20000"/>
+                    </a:ext>
+                  </a:extLst>
+                </a:gridCol>
               </a:tblGrid>
               <a:tr h="613987">
                 <a:tc>
@@ -8593,6 +8882,11 @@
                     </a:solidFill>
                   </a:tcPr>
                 </a:tc>
+                <a:extLst>
+                  <a:ext uri="{0D108BD9-81ED-4DB2-BD59-A6C34878D82A}">
+                    <a16:rowId xmlns:a16="http://schemas.microsoft.com/office/drawing/2014/main" val="10000"/>
+                  </a:ext>
+                </a:extLst>
               </a:tr>
               <a:tr h="613987">
                 <a:tc>
@@ -8602,18 +8896,13 @@
                     <a:p>
                       <a:pPr algn="ctr"/>
                       <a:r>
-                        <a:rPr lang="en-US" sz="3200" dirty="0" smtClean="0">
+                        <a:rPr lang="en-US" sz="3200" dirty="0">
                           <a:solidFill>
                             <a:schemeClr val="tx1"/>
                           </a:solidFill>
                         </a:rPr>
                         <a:t>1</a:t>
                       </a:r>
-                      <a:endParaRPr lang="en-US" sz="3200" dirty="0">
-                        <a:solidFill>
-                          <a:schemeClr val="tx1"/>
-                        </a:solidFill>
-                      </a:endParaRPr>
                     </a:p>
                   </a:txBody>
                   <a:tcPr>
@@ -8666,6 +8955,11 @@
                     </a:solidFill>
                   </a:tcPr>
                 </a:tc>
+                <a:extLst>
+                  <a:ext uri="{0D108BD9-81ED-4DB2-BD59-A6C34878D82A}">
+                    <a16:rowId xmlns:a16="http://schemas.microsoft.com/office/drawing/2014/main" val="10001"/>
+                  </a:ext>
+                </a:extLst>
               </a:tr>
             </a:tbl>
           </a:graphicData>
@@ -8680,7 +8974,7 @@
           <p:nvPr>
             <p:extLst>
               <p:ext uri="{D42A27DB-BD31-4B8C-83A1-F6EECF244321}">
-                <p14:modId xmlns:p14="http://schemas.microsoft.com/office/powerpoint/2010/main" val="1869566732"/>
+                <p14:modId xmlns:p14="http://schemas.microsoft.com/office/powerpoint/2010/main" val="1475151742"/>
               </p:ext>
             </p:extLst>
           </p:nvPr>
@@ -8696,7 +8990,13 @@
                 <a:tableStyleId>{5C22544A-7EE6-4342-B048-85BDC9FD1C3A}</a:tableStyleId>
               </a:tblPr>
               <a:tblGrid>
-                <a:gridCol w="1153033"/>
+                <a:gridCol w="1153033">
+                  <a:extLst>
+                    <a:ext uri="{9D8B030D-6E8A-4147-A177-3AD203B41FA5}">
+                      <a16:colId xmlns:a16="http://schemas.microsoft.com/office/drawing/2014/main" val="20000"/>
+                    </a:ext>
+                  </a:extLst>
+                </a:gridCol>
               </a:tblGrid>
               <a:tr h="613987">
                 <a:tc>
@@ -8762,6 +9062,11 @@
                     </a:solidFill>
                   </a:tcPr>
                 </a:tc>
+                <a:extLst>
+                  <a:ext uri="{0D108BD9-81ED-4DB2-BD59-A6C34878D82A}">
+                    <a16:rowId xmlns:a16="http://schemas.microsoft.com/office/drawing/2014/main" val="10000"/>
+                  </a:ext>
+                </a:extLst>
               </a:tr>
               <a:tr h="613987">
                 <a:tc>
@@ -8771,18 +9076,13 @@
                     <a:p>
                       <a:pPr algn="ctr"/>
                       <a:r>
-                        <a:rPr lang="en-US" sz="3200" dirty="0" smtClean="0">
+                        <a:rPr lang="en-US" sz="3200" dirty="0">
                           <a:solidFill>
                             <a:schemeClr val="tx1"/>
                           </a:solidFill>
                         </a:rPr>
                         <a:t>2</a:t>
                       </a:r>
-                      <a:endParaRPr lang="en-US" sz="3200" dirty="0">
-                        <a:solidFill>
-                          <a:schemeClr val="tx1"/>
-                        </a:solidFill>
-                      </a:endParaRPr>
                     </a:p>
                   </a:txBody>
                   <a:tcPr>
@@ -8835,6 +9135,11 @@
                     </a:solidFill>
                   </a:tcPr>
                 </a:tc>
+                <a:extLst>
+                  <a:ext uri="{0D108BD9-81ED-4DB2-BD59-A6C34878D82A}">
+                    <a16:rowId xmlns:a16="http://schemas.microsoft.com/office/drawing/2014/main" val="10001"/>
+                  </a:ext>
+                </a:extLst>
               </a:tr>
             </a:tbl>
           </a:graphicData>
@@ -8849,7 +9154,7 @@
           <p:nvPr>
             <p:extLst>
               <p:ext uri="{D42A27DB-BD31-4B8C-83A1-F6EECF244321}">
-                <p14:modId xmlns:p14="http://schemas.microsoft.com/office/powerpoint/2010/main" val="1196458103"/>
+                <p14:modId xmlns:p14="http://schemas.microsoft.com/office/powerpoint/2010/main" val="2870653954"/>
               </p:ext>
             </p:extLst>
           </p:nvPr>
@@ -8865,7 +9170,13 @@
                 <a:tableStyleId>{5C22544A-7EE6-4342-B048-85BDC9FD1C3A}</a:tableStyleId>
               </a:tblPr>
               <a:tblGrid>
-                <a:gridCol w="1153033"/>
+                <a:gridCol w="1153033">
+                  <a:extLst>
+                    <a:ext uri="{9D8B030D-6E8A-4147-A177-3AD203B41FA5}">
+                      <a16:colId xmlns:a16="http://schemas.microsoft.com/office/drawing/2014/main" val="20000"/>
+                    </a:ext>
+                  </a:extLst>
+                </a:gridCol>
               </a:tblGrid>
               <a:tr h="613987">
                 <a:tc>
@@ -8931,6 +9242,11 @@
                     </a:solidFill>
                   </a:tcPr>
                 </a:tc>
+                <a:extLst>
+                  <a:ext uri="{0D108BD9-81ED-4DB2-BD59-A6C34878D82A}">
+                    <a16:rowId xmlns:a16="http://schemas.microsoft.com/office/drawing/2014/main" val="10000"/>
+                  </a:ext>
+                </a:extLst>
               </a:tr>
               <a:tr h="613987">
                 <a:tc>
@@ -8996,6 +9312,11 @@
                     </a:solidFill>
                   </a:tcPr>
                 </a:tc>
+                <a:extLst>
+                  <a:ext uri="{0D108BD9-81ED-4DB2-BD59-A6C34878D82A}">
+                    <a16:rowId xmlns:a16="http://schemas.microsoft.com/office/drawing/2014/main" val="10001"/>
+                  </a:ext>
+                </a:extLst>
               </a:tr>
               <a:tr h="613987">
                 <a:tc>
@@ -9005,18 +9326,13 @@
                     <a:p>
                       <a:pPr algn="ctr"/>
                       <a:r>
-                        <a:rPr lang="en-US" sz="3200" dirty="0" smtClean="0">
+                        <a:rPr lang="en-US" sz="3200" dirty="0">
                           <a:solidFill>
                             <a:schemeClr val="tx1"/>
                           </a:solidFill>
                         </a:rPr>
                         <a:t>3</a:t>
                       </a:r>
-                      <a:endParaRPr lang="en-US" sz="3200" dirty="0">
-                        <a:solidFill>
-                          <a:schemeClr val="tx1"/>
-                        </a:solidFill>
-                      </a:endParaRPr>
                     </a:p>
                   </a:txBody>
                   <a:tcPr>
@@ -9069,6 +9385,11 @@
                     </a:solidFill>
                   </a:tcPr>
                 </a:tc>
+                <a:extLst>
+                  <a:ext uri="{0D108BD9-81ED-4DB2-BD59-A6C34878D82A}">
+                    <a16:rowId xmlns:a16="http://schemas.microsoft.com/office/drawing/2014/main" val="10002"/>
+                  </a:ext>
+                </a:extLst>
               </a:tr>
             </a:tbl>
           </a:graphicData>
@@ -9083,7 +9404,7 @@
           <p:nvPr>
             <p:extLst>
               <p:ext uri="{D42A27DB-BD31-4B8C-83A1-F6EECF244321}">
-                <p14:modId xmlns:p14="http://schemas.microsoft.com/office/powerpoint/2010/main" val="1372877576"/>
+                <p14:modId xmlns:p14="http://schemas.microsoft.com/office/powerpoint/2010/main" val="1588649484"/>
               </p:ext>
             </p:extLst>
           </p:nvPr>
@@ -9099,7 +9420,13 @@
                 <a:tableStyleId>{5C22544A-7EE6-4342-B048-85BDC9FD1C3A}</a:tableStyleId>
               </a:tblPr>
               <a:tblGrid>
-                <a:gridCol w="1153033"/>
+                <a:gridCol w="1153033">
+                  <a:extLst>
+                    <a:ext uri="{9D8B030D-6E8A-4147-A177-3AD203B41FA5}">
+                      <a16:colId xmlns:a16="http://schemas.microsoft.com/office/drawing/2014/main" val="20000"/>
+                    </a:ext>
+                  </a:extLst>
+                </a:gridCol>
               </a:tblGrid>
               <a:tr h="613987">
                 <a:tc>
@@ -9165,6 +9492,11 @@
                     </a:solidFill>
                   </a:tcPr>
                 </a:tc>
+                <a:extLst>
+                  <a:ext uri="{0D108BD9-81ED-4DB2-BD59-A6C34878D82A}">
+                    <a16:rowId xmlns:a16="http://schemas.microsoft.com/office/drawing/2014/main" val="10000"/>
+                  </a:ext>
+                </a:extLst>
               </a:tr>
               <a:tr h="613987">
                 <a:tc>
@@ -9174,18 +9506,13 @@
                     <a:p>
                       <a:pPr algn="ctr"/>
                       <a:r>
-                        <a:rPr lang="en-US" sz="3200" dirty="0" smtClean="0">
+                        <a:rPr lang="en-US" sz="3200" dirty="0">
                           <a:solidFill>
                             <a:schemeClr val="tx1"/>
                           </a:solidFill>
                         </a:rPr>
                         <a:t>4</a:t>
                       </a:r>
-                      <a:endParaRPr lang="en-US" sz="3200" dirty="0">
-                        <a:solidFill>
-                          <a:schemeClr val="tx1"/>
-                        </a:solidFill>
-                      </a:endParaRPr>
                     </a:p>
                   </a:txBody>
                   <a:tcPr>
@@ -9238,6 +9565,11 @@
                     </a:solidFill>
                   </a:tcPr>
                 </a:tc>
+                <a:extLst>
+                  <a:ext uri="{0D108BD9-81ED-4DB2-BD59-A6C34878D82A}">
+                    <a16:rowId xmlns:a16="http://schemas.microsoft.com/office/drawing/2014/main" val="10001"/>
+                  </a:ext>
+                </a:extLst>
               </a:tr>
             </a:tbl>
           </a:graphicData>
@@ -9252,7 +9584,7 @@
           <p:nvPr>
             <p:extLst>
               <p:ext uri="{D42A27DB-BD31-4B8C-83A1-F6EECF244321}">
-                <p14:modId xmlns:p14="http://schemas.microsoft.com/office/powerpoint/2010/main" val="1585683911"/>
+                <p14:modId xmlns:p14="http://schemas.microsoft.com/office/powerpoint/2010/main" val="3975774060"/>
               </p:ext>
             </p:extLst>
           </p:nvPr>
@@ -9268,7 +9600,13 @@
                 <a:tableStyleId>{5C22544A-7EE6-4342-B048-85BDC9FD1C3A}</a:tableStyleId>
               </a:tblPr>
               <a:tblGrid>
-                <a:gridCol w="1153033"/>
+                <a:gridCol w="1153033">
+                  <a:extLst>
+                    <a:ext uri="{9D8B030D-6E8A-4147-A177-3AD203B41FA5}">
+                      <a16:colId xmlns:a16="http://schemas.microsoft.com/office/drawing/2014/main" val="20000"/>
+                    </a:ext>
+                  </a:extLst>
+                </a:gridCol>
               </a:tblGrid>
               <a:tr h="613987">
                 <a:tc>
@@ -9334,6 +9672,11 @@
                     </a:solidFill>
                   </a:tcPr>
                 </a:tc>
+                <a:extLst>
+                  <a:ext uri="{0D108BD9-81ED-4DB2-BD59-A6C34878D82A}">
+                    <a16:rowId xmlns:a16="http://schemas.microsoft.com/office/drawing/2014/main" val="10000"/>
+                  </a:ext>
+                </a:extLst>
               </a:tr>
               <a:tr h="613987">
                 <a:tc>
@@ -9399,6 +9742,11 @@
                     </a:solidFill>
                   </a:tcPr>
                 </a:tc>
+                <a:extLst>
+                  <a:ext uri="{0D108BD9-81ED-4DB2-BD59-A6C34878D82A}">
+                    <a16:rowId xmlns:a16="http://schemas.microsoft.com/office/drawing/2014/main" val="10001"/>
+                  </a:ext>
+                </a:extLst>
               </a:tr>
               <a:tr h="613987">
                 <a:tc>
@@ -9464,6 +9812,11 @@
                     </a:solidFill>
                   </a:tcPr>
                 </a:tc>
+                <a:extLst>
+                  <a:ext uri="{0D108BD9-81ED-4DB2-BD59-A6C34878D82A}">
+                    <a16:rowId xmlns:a16="http://schemas.microsoft.com/office/drawing/2014/main" val="10002"/>
+                  </a:ext>
+                </a:extLst>
               </a:tr>
               <a:tr h="613987">
                 <a:tc>
@@ -9473,18 +9826,13 @@
                     <a:p>
                       <a:pPr algn="ctr"/>
                       <a:r>
-                        <a:rPr lang="en-US" sz="3200" dirty="0" smtClean="0">
+                        <a:rPr lang="en-US" sz="3200" dirty="0">
                           <a:solidFill>
                             <a:schemeClr val="tx1"/>
                           </a:solidFill>
                         </a:rPr>
                         <a:t>5</a:t>
                       </a:r>
-                      <a:endParaRPr lang="en-US" sz="3200" dirty="0">
-                        <a:solidFill>
-                          <a:schemeClr val="tx1"/>
-                        </a:solidFill>
-                      </a:endParaRPr>
                     </a:p>
                   </a:txBody>
                   <a:tcPr>
@@ -9537,6 +9885,11 @@
                     </a:solidFill>
                   </a:tcPr>
                 </a:tc>
+                <a:extLst>
+                  <a:ext uri="{0D108BD9-81ED-4DB2-BD59-A6C34878D82A}">
+                    <a16:rowId xmlns:a16="http://schemas.microsoft.com/office/drawing/2014/main" val="10003"/>
+                  </a:ext>
+                </a:extLst>
               </a:tr>
             </a:tbl>
           </a:graphicData>
@@ -9869,7 +10222,7 @@
           <p:nvPr>
             <p:extLst>
               <p:ext uri="{D42A27DB-BD31-4B8C-83A1-F6EECF244321}">
-                <p14:modId xmlns:p14="http://schemas.microsoft.com/office/powerpoint/2010/main" val="745488801"/>
+                <p14:modId xmlns:p14="http://schemas.microsoft.com/office/powerpoint/2010/main" val="2229569191"/>
               </p:ext>
             </p:extLst>
           </p:nvPr>
@@ -9885,7 +10238,13 @@
                 <a:tableStyleId>{5C22544A-7EE6-4342-B048-85BDC9FD1C3A}</a:tableStyleId>
               </a:tblPr>
               <a:tblGrid>
-                <a:gridCol w="1153033"/>
+                <a:gridCol w="1153033">
+                  <a:extLst>
+                    <a:ext uri="{9D8B030D-6E8A-4147-A177-3AD203B41FA5}">
+                      <a16:colId xmlns:a16="http://schemas.microsoft.com/office/drawing/2014/main" val="20000"/>
+                    </a:ext>
+                  </a:extLst>
+                </a:gridCol>
               </a:tblGrid>
               <a:tr h="613987">
                 <a:tc>
@@ -9951,6 +10310,11 @@
                     </a:solidFill>
                   </a:tcPr>
                 </a:tc>
+                <a:extLst>
+                  <a:ext uri="{0D108BD9-81ED-4DB2-BD59-A6C34878D82A}">
+                    <a16:rowId xmlns:a16="http://schemas.microsoft.com/office/drawing/2014/main" val="10000"/>
+                  </a:ext>
+                </a:extLst>
               </a:tr>
               <a:tr h="613987">
                 <a:tc>
@@ -10016,6 +10380,11 @@
                     </a:solidFill>
                   </a:tcPr>
                 </a:tc>
+                <a:extLst>
+                  <a:ext uri="{0D108BD9-81ED-4DB2-BD59-A6C34878D82A}">
+                    <a16:rowId xmlns:a16="http://schemas.microsoft.com/office/drawing/2014/main" val="10001"/>
+                  </a:ext>
+                </a:extLst>
               </a:tr>
               <a:tr h="613987">
                 <a:tc>
@@ -10081,6 +10450,11 @@
                     </a:solidFill>
                   </a:tcPr>
                 </a:tc>
+                <a:extLst>
+                  <a:ext uri="{0D108BD9-81ED-4DB2-BD59-A6C34878D82A}">
+                    <a16:rowId xmlns:a16="http://schemas.microsoft.com/office/drawing/2014/main" val="10002"/>
+                  </a:ext>
+                </a:extLst>
               </a:tr>
             </a:tbl>
           </a:graphicData>
@@ -10110,10 +10484,9 @@
           <a:p>
             <a:pPr algn="ctr"/>
             <a:r>
-              <a:rPr lang="en-US" smtClean="0"/>
+              <a:rPr lang="en-US"/>
               <a:t>head</a:t>
             </a:r>
-            <a:endParaRPr lang="en-US"/>
           </a:p>
         </p:txBody>
       </p:sp>
@@ -10126,7 +10499,7 @@
           <p:nvPr>
             <p:extLst>
               <p:ext uri="{D42A27DB-BD31-4B8C-83A1-F6EECF244321}">
-                <p14:modId xmlns:p14="http://schemas.microsoft.com/office/powerpoint/2010/main" val="24288434"/>
+                <p14:modId xmlns:p14="http://schemas.microsoft.com/office/powerpoint/2010/main" val="1412144842"/>
               </p:ext>
             </p:extLst>
           </p:nvPr>
@@ -10142,7 +10515,13 @@
                 <a:tableStyleId>{5C22544A-7EE6-4342-B048-85BDC9FD1C3A}</a:tableStyleId>
               </a:tblPr>
               <a:tblGrid>
-                <a:gridCol w="1153033"/>
+                <a:gridCol w="1153033">
+                  <a:extLst>
+                    <a:ext uri="{9D8B030D-6E8A-4147-A177-3AD203B41FA5}">
+                      <a16:colId xmlns:a16="http://schemas.microsoft.com/office/drawing/2014/main" val="20000"/>
+                    </a:ext>
+                  </a:extLst>
+                </a:gridCol>
               </a:tblGrid>
               <a:tr h="613987">
                 <a:tc>
@@ -10208,6 +10587,11 @@
                     </a:solidFill>
                   </a:tcPr>
                 </a:tc>
+                <a:extLst>
+                  <a:ext uri="{0D108BD9-81ED-4DB2-BD59-A6C34878D82A}">
+                    <a16:rowId xmlns:a16="http://schemas.microsoft.com/office/drawing/2014/main" val="10000"/>
+                  </a:ext>
+                </a:extLst>
               </a:tr>
               <a:tr h="613987">
                 <a:tc>
@@ -10273,6 +10657,11 @@
                     </a:solidFill>
                   </a:tcPr>
                 </a:tc>
+                <a:extLst>
+                  <a:ext uri="{0D108BD9-81ED-4DB2-BD59-A6C34878D82A}">
+                    <a16:rowId xmlns:a16="http://schemas.microsoft.com/office/drawing/2014/main" val="10001"/>
+                  </a:ext>
+                </a:extLst>
               </a:tr>
               <a:tr h="613987">
                 <a:tc>
@@ -10338,6 +10727,11 @@
                     </a:solidFill>
                   </a:tcPr>
                 </a:tc>
+                <a:extLst>
+                  <a:ext uri="{0D108BD9-81ED-4DB2-BD59-A6C34878D82A}">
+                    <a16:rowId xmlns:a16="http://schemas.microsoft.com/office/drawing/2014/main" val="10002"/>
+                  </a:ext>
+                </a:extLst>
               </a:tr>
               <a:tr h="613987">
                 <a:tc>
@@ -10347,18 +10741,13 @@
                     <a:p>
                       <a:pPr algn="ctr"/>
                       <a:r>
-                        <a:rPr lang="en-US" sz="3200" dirty="0" smtClean="0">
+                        <a:rPr lang="en-US" sz="3200" dirty="0">
                           <a:solidFill>
                             <a:schemeClr val="tx1"/>
                           </a:solidFill>
                         </a:rPr>
                         <a:t>1</a:t>
                       </a:r>
-                      <a:endParaRPr lang="en-US" sz="3200" dirty="0">
-                        <a:solidFill>
-                          <a:schemeClr val="tx1"/>
-                        </a:solidFill>
-                      </a:endParaRPr>
                     </a:p>
                   </a:txBody>
                   <a:tcPr>
@@ -10411,6 +10800,11 @@
                     </a:solidFill>
                   </a:tcPr>
                 </a:tc>
+                <a:extLst>
+                  <a:ext uri="{0D108BD9-81ED-4DB2-BD59-A6C34878D82A}">
+                    <a16:rowId xmlns:a16="http://schemas.microsoft.com/office/drawing/2014/main" val="10003"/>
+                  </a:ext>
+                </a:extLst>
               </a:tr>
             </a:tbl>
           </a:graphicData>
@@ -10425,7 +10819,7 @@
           <p:nvPr>
             <p:extLst>
               <p:ext uri="{D42A27DB-BD31-4B8C-83A1-F6EECF244321}">
-                <p14:modId xmlns:p14="http://schemas.microsoft.com/office/powerpoint/2010/main" val="1012859032"/>
+                <p14:modId xmlns:p14="http://schemas.microsoft.com/office/powerpoint/2010/main" val="4176170938"/>
               </p:ext>
             </p:extLst>
           </p:nvPr>
@@ -10441,7 +10835,13 @@
                 <a:tableStyleId>{5C22544A-7EE6-4342-B048-85BDC9FD1C3A}</a:tableStyleId>
               </a:tblPr>
               <a:tblGrid>
-                <a:gridCol w="1153033"/>
+                <a:gridCol w="1153033">
+                  <a:extLst>
+                    <a:ext uri="{9D8B030D-6E8A-4147-A177-3AD203B41FA5}">
+                      <a16:colId xmlns:a16="http://schemas.microsoft.com/office/drawing/2014/main" val="20000"/>
+                    </a:ext>
+                  </a:extLst>
+                </a:gridCol>
               </a:tblGrid>
               <a:tr h="613987">
                 <a:tc>
@@ -10507,6 +10907,11 @@
                     </a:solidFill>
                   </a:tcPr>
                 </a:tc>
+                <a:extLst>
+                  <a:ext uri="{0D108BD9-81ED-4DB2-BD59-A6C34878D82A}">
+                    <a16:rowId xmlns:a16="http://schemas.microsoft.com/office/drawing/2014/main" val="10000"/>
+                  </a:ext>
+                </a:extLst>
               </a:tr>
               <a:tr h="613987">
                 <a:tc>
@@ -10516,18 +10921,13 @@
                     <a:p>
                       <a:pPr algn="ctr"/>
                       <a:r>
-                        <a:rPr lang="en-US" sz="3200" dirty="0" smtClean="0">
+                        <a:rPr lang="en-US" sz="3200" dirty="0">
                           <a:solidFill>
                             <a:schemeClr val="tx1"/>
                           </a:solidFill>
                         </a:rPr>
                         <a:t>3</a:t>
                       </a:r>
-                      <a:endParaRPr lang="en-US" sz="3200" dirty="0">
-                        <a:solidFill>
-                          <a:schemeClr val="tx1"/>
-                        </a:solidFill>
-                      </a:endParaRPr>
                     </a:p>
                   </a:txBody>
                   <a:tcPr>
@@ -10580,6 +10980,11 @@
                     </a:solidFill>
                   </a:tcPr>
                 </a:tc>
+                <a:extLst>
+                  <a:ext uri="{0D108BD9-81ED-4DB2-BD59-A6C34878D82A}">
+                    <a16:rowId xmlns:a16="http://schemas.microsoft.com/office/drawing/2014/main" val="10001"/>
+                  </a:ext>
+                </a:extLst>
               </a:tr>
             </a:tbl>
           </a:graphicData>
@@ -10594,7 +10999,7 @@
           <p:nvPr>
             <p:extLst>
               <p:ext uri="{D42A27DB-BD31-4B8C-83A1-F6EECF244321}">
-                <p14:modId xmlns:p14="http://schemas.microsoft.com/office/powerpoint/2010/main" val="1653795276"/>
+                <p14:modId xmlns:p14="http://schemas.microsoft.com/office/powerpoint/2010/main" val="3956537602"/>
               </p:ext>
             </p:extLst>
           </p:nvPr>
@@ -10610,7 +11015,13 @@
                 <a:tableStyleId>{5C22544A-7EE6-4342-B048-85BDC9FD1C3A}</a:tableStyleId>
               </a:tblPr>
               <a:tblGrid>
-                <a:gridCol w="1153033"/>
+                <a:gridCol w="1153033">
+                  <a:extLst>
+                    <a:ext uri="{9D8B030D-6E8A-4147-A177-3AD203B41FA5}">
+                      <a16:colId xmlns:a16="http://schemas.microsoft.com/office/drawing/2014/main" val="20000"/>
+                    </a:ext>
+                  </a:extLst>
+                </a:gridCol>
               </a:tblGrid>
               <a:tr h="613987">
                 <a:tc>
@@ -10676,6 +11087,11 @@
                     </a:solidFill>
                   </a:tcPr>
                 </a:tc>
+                <a:extLst>
+                  <a:ext uri="{0D108BD9-81ED-4DB2-BD59-A6C34878D82A}">
+                    <a16:rowId xmlns:a16="http://schemas.microsoft.com/office/drawing/2014/main" val="10000"/>
+                  </a:ext>
+                </a:extLst>
               </a:tr>
               <a:tr h="613987">
                 <a:tc>
@@ -10741,6 +11157,11 @@
                     </a:solidFill>
                   </a:tcPr>
                 </a:tc>
+                <a:extLst>
+                  <a:ext uri="{0D108BD9-81ED-4DB2-BD59-A6C34878D82A}">
+                    <a16:rowId xmlns:a16="http://schemas.microsoft.com/office/drawing/2014/main" val="10001"/>
+                  </a:ext>
+                </a:extLst>
               </a:tr>
               <a:tr h="613987">
                 <a:tc>
@@ -10750,18 +11171,13 @@
                     <a:p>
                       <a:pPr algn="ctr"/>
                       <a:r>
-                        <a:rPr lang="en-US" sz="3200" dirty="0" smtClean="0">
+                        <a:rPr lang="en-US" sz="3200" dirty="0">
                           <a:solidFill>
                             <a:schemeClr val="tx1"/>
                           </a:solidFill>
                         </a:rPr>
                         <a:t>5</a:t>
                       </a:r>
-                      <a:endParaRPr lang="en-US" sz="3200" dirty="0">
-                        <a:solidFill>
-                          <a:schemeClr val="tx1"/>
-                        </a:solidFill>
-                      </a:endParaRPr>
                     </a:p>
                   </a:txBody>
                   <a:tcPr>
@@ -10814,6 +11230,11 @@
                     </a:solidFill>
                   </a:tcPr>
                 </a:tc>
+                <a:extLst>
+                  <a:ext uri="{0D108BD9-81ED-4DB2-BD59-A6C34878D82A}">
+                    <a16:rowId xmlns:a16="http://schemas.microsoft.com/office/drawing/2014/main" val="10002"/>
+                  </a:ext>
+                </a:extLst>
               </a:tr>
             </a:tbl>
           </a:graphicData>
@@ -10828,7 +11249,7 @@
           <p:nvPr>
             <p:extLst>
               <p:ext uri="{D42A27DB-BD31-4B8C-83A1-F6EECF244321}">
-                <p14:modId xmlns:p14="http://schemas.microsoft.com/office/powerpoint/2010/main" val="2096061564"/>
+                <p14:modId xmlns:p14="http://schemas.microsoft.com/office/powerpoint/2010/main" val="49248368"/>
               </p:ext>
             </p:extLst>
           </p:nvPr>
@@ -10844,7 +11265,13 @@
                 <a:tableStyleId>{5C22544A-7EE6-4342-B048-85BDC9FD1C3A}</a:tableStyleId>
               </a:tblPr>
               <a:tblGrid>
-                <a:gridCol w="1153033"/>
+                <a:gridCol w="1153033">
+                  <a:extLst>
+                    <a:ext uri="{9D8B030D-6E8A-4147-A177-3AD203B41FA5}">
+                      <a16:colId xmlns:a16="http://schemas.microsoft.com/office/drawing/2014/main" val="20000"/>
+                    </a:ext>
+                  </a:extLst>
+                </a:gridCol>
               </a:tblGrid>
               <a:tr h="613987">
                 <a:tc>
@@ -10910,6 +11337,11 @@
                     </a:solidFill>
                   </a:tcPr>
                 </a:tc>
+                <a:extLst>
+                  <a:ext uri="{0D108BD9-81ED-4DB2-BD59-A6C34878D82A}">
+                    <a16:rowId xmlns:a16="http://schemas.microsoft.com/office/drawing/2014/main" val="10000"/>
+                  </a:ext>
+                </a:extLst>
               </a:tr>
               <a:tr h="613987">
                 <a:tc>
@@ -10919,18 +11351,13 @@
                     <a:p>
                       <a:pPr algn="ctr"/>
                       <a:r>
-                        <a:rPr lang="en-US" sz="3200" dirty="0" smtClean="0">
+                        <a:rPr lang="en-US" sz="3200" dirty="0">
                           <a:solidFill>
                             <a:schemeClr val="tx1"/>
                           </a:solidFill>
                         </a:rPr>
                         <a:t>7</a:t>
                       </a:r>
-                      <a:endParaRPr lang="en-US" sz="3200" dirty="0">
-                        <a:solidFill>
-                          <a:schemeClr val="tx1"/>
-                        </a:solidFill>
-                      </a:endParaRPr>
                     </a:p>
                   </a:txBody>
                   <a:tcPr>
@@ -10983,6 +11410,11 @@
                     </a:solidFill>
                   </a:tcPr>
                 </a:tc>
+                <a:extLst>
+                  <a:ext uri="{0D108BD9-81ED-4DB2-BD59-A6C34878D82A}">
+                    <a16:rowId xmlns:a16="http://schemas.microsoft.com/office/drawing/2014/main" val="10001"/>
+                  </a:ext>
+                </a:extLst>
               </a:tr>
             </a:tbl>
           </a:graphicData>
@@ -10997,7 +11429,7 @@
           <p:nvPr>
             <p:extLst>
               <p:ext uri="{D42A27DB-BD31-4B8C-83A1-F6EECF244321}">
-                <p14:modId xmlns:p14="http://schemas.microsoft.com/office/powerpoint/2010/main" val="2096734406"/>
+                <p14:modId xmlns:p14="http://schemas.microsoft.com/office/powerpoint/2010/main" val="3237477044"/>
               </p:ext>
             </p:extLst>
           </p:nvPr>
@@ -11013,7 +11445,13 @@
                 <a:tableStyleId>{5C22544A-7EE6-4342-B048-85BDC9FD1C3A}</a:tableStyleId>
               </a:tblPr>
               <a:tblGrid>
-                <a:gridCol w="1153033"/>
+                <a:gridCol w="1153033">
+                  <a:extLst>
+                    <a:ext uri="{9D8B030D-6E8A-4147-A177-3AD203B41FA5}">
+                      <a16:colId xmlns:a16="http://schemas.microsoft.com/office/drawing/2014/main" val="20000"/>
+                    </a:ext>
+                  </a:extLst>
+                </a:gridCol>
               </a:tblGrid>
               <a:tr h="613987">
                 <a:tc>
@@ -11079,6 +11517,11 @@
                     </a:solidFill>
                   </a:tcPr>
                 </a:tc>
+                <a:extLst>
+                  <a:ext uri="{0D108BD9-81ED-4DB2-BD59-A6C34878D82A}">
+                    <a16:rowId xmlns:a16="http://schemas.microsoft.com/office/drawing/2014/main" val="10000"/>
+                  </a:ext>
+                </a:extLst>
               </a:tr>
               <a:tr h="613987">
                 <a:tc>
@@ -11144,6 +11587,11 @@
                     </a:solidFill>
                   </a:tcPr>
                 </a:tc>
+                <a:extLst>
+                  <a:ext uri="{0D108BD9-81ED-4DB2-BD59-A6C34878D82A}">
+                    <a16:rowId xmlns:a16="http://schemas.microsoft.com/office/drawing/2014/main" val="10001"/>
+                  </a:ext>
+                </a:extLst>
               </a:tr>
               <a:tr h="613987">
                 <a:tc>
@@ -11209,6 +11657,11 @@
                     </a:solidFill>
                   </a:tcPr>
                 </a:tc>
+                <a:extLst>
+                  <a:ext uri="{0D108BD9-81ED-4DB2-BD59-A6C34878D82A}">
+                    <a16:rowId xmlns:a16="http://schemas.microsoft.com/office/drawing/2014/main" val="10002"/>
+                  </a:ext>
+                </a:extLst>
               </a:tr>
               <a:tr h="613987">
                 <a:tc>
@@ -11218,18 +11671,13 @@
                     <a:p>
                       <a:pPr algn="ctr"/>
                       <a:r>
-                        <a:rPr lang="en-US" sz="3200" dirty="0" smtClean="0">
+                        <a:rPr lang="en-US" sz="3200" dirty="0">
                           <a:solidFill>
                             <a:schemeClr val="tx1"/>
                           </a:solidFill>
                         </a:rPr>
                         <a:t>9</a:t>
                       </a:r>
-                      <a:endParaRPr lang="en-US" sz="3200" dirty="0">
-                        <a:solidFill>
-                          <a:schemeClr val="tx1"/>
-                        </a:solidFill>
-                      </a:endParaRPr>
                     </a:p>
                   </a:txBody>
                   <a:tcPr>
@@ -11282,6 +11730,11 @@
                     </a:solidFill>
                   </a:tcPr>
                 </a:tc>
+                <a:extLst>
+                  <a:ext uri="{0D108BD9-81ED-4DB2-BD59-A6C34878D82A}">
+                    <a16:rowId xmlns:a16="http://schemas.microsoft.com/office/drawing/2014/main" val="10003"/>
+                  </a:ext>
+                </a:extLst>
               </a:tr>
             </a:tbl>
           </a:graphicData>
@@ -11686,7 +12139,7 @@
           <p:nvPr>
             <p:extLst>
               <p:ext uri="{D42A27DB-BD31-4B8C-83A1-F6EECF244321}">
-                <p14:modId xmlns:p14="http://schemas.microsoft.com/office/powerpoint/2010/main" val="745488801"/>
+                <p14:modId xmlns:p14="http://schemas.microsoft.com/office/powerpoint/2010/main" val="3526757183"/>
               </p:ext>
             </p:extLst>
           </p:nvPr>
@@ -11702,7 +12155,13 @@
                 <a:tableStyleId>{5C22544A-7EE6-4342-B048-85BDC9FD1C3A}</a:tableStyleId>
               </a:tblPr>
               <a:tblGrid>
-                <a:gridCol w="1153033"/>
+                <a:gridCol w="1153033">
+                  <a:extLst>
+                    <a:ext uri="{9D8B030D-6E8A-4147-A177-3AD203B41FA5}">
+                      <a16:colId xmlns:a16="http://schemas.microsoft.com/office/drawing/2014/main" val="20000"/>
+                    </a:ext>
+                  </a:extLst>
+                </a:gridCol>
               </a:tblGrid>
               <a:tr h="613987">
                 <a:tc>
@@ -11768,6 +12227,11 @@
                     </a:solidFill>
                   </a:tcPr>
                 </a:tc>
+                <a:extLst>
+                  <a:ext uri="{0D108BD9-81ED-4DB2-BD59-A6C34878D82A}">
+                    <a16:rowId xmlns:a16="http://schemas.microsoft.com/office/drawing/2014/main" val="10000"/>
+                  </a:ext>
+                </a:extLst>
               </a:tr>
               <a:tr h="613987">
                 <a:tc>
@@ -11833,6 +12297,11 @@
                     </a:solidFill>
                   </a:tcPr>
                 </a:tc>
+                <a:extLst>
+                  <a:ext uri="{0D108BD9-81ED-4DB2-BD59-A6C34878D82A}">
+                    <a16:rowId xmlns:a16="http://schemas.microsoft.com/office/drawing/2014/main" val="10001"/>
+                  </a:ext>
+                </a:extLst>
               </a:tr>
               <a:tr h="613987">
                 <a:tc>
@@ -11898,6 +12367,11 @@
                     </a:solidFill>
                   </a:tcPr>
                 </a:tc>
+                <a:extLst>
+                  <a:ext uri="{0D108BD9-81ED-4DB2-BD59-A6C34878D82A}">
+                    <a16:rowId xmlns:a16="http://schemas.microsoft.com/office/drawing/2014/main" val="10002"/>
+                  </a:ext>
+                </a:extLst>
               </a:tr>
             </a:tbl>
           </a:graphicData>
@@ -11927,10 +12401,9 @@
           <a:p>
             <a:pPr algn="ctr"/>
             <a:r>
-              <a:rPr lang="en-US" smtClean="0"/>
+              <a:rPr lang="en-US"/>
               <a:t>head</a:t>
             </a:r>
-            <a:endParaRPr lang="en-US"/>
           </a:p>
         </p:txBody>
       </p:sp>
@@ -11943,7 +12416,7 @@
           <p:nvPr>
             <p:extLst>
               <p:ext uri="{D42A27DB-BD31-4B8C-83A1-F6EECF244321}">
-                <p14:modId xmlns:p14="http://schemas.microsoft.com/office/powerpoint/2010/main" val="24288434"/>
+                <p14:modId xmlns:p14="http://schemas.microsoft.com/office/powerpoint/2010/main" val="4078111727"/>
               </p:ext>
             </p:extLst>
           </p:nvPr>
@@ -11959,7 +12432,13 @@
                 <a:tableStyleId>{5C22544A-7EE6-4342-B048-85BDC9FD1C3A}</a:tableStyleId>
               </a:tblPr>
               <a:tblGrid>
-                <a:gridCol w="1153033"/>
+                <a:gridCol w="1153033">
+                  <a:extLst>
+                    <a:ext uri="{9D8B030D-6E8A-4147-A177-3AD203B41FA5}">
+                      <a16:colId xmlns:a16="http://schemas.microsoft.com/office/drawing/2014/main" val="20000"/>
+                    </a:ext>
+                  </a:extLst>
+                </a:gridCol>
               </a:tblGrid>
               <a:tr h="613987">
                 <a:tc>
@@ -12025,6 +12504,11 @@
                     </a:solidFill>
                   </a:tcPr>
                 </a:tc>
+                <a:extLst>
+                  <a:ext uri="{0D108BD9-81ED-4DB2-BD59-A6C34878D82A}">
+                    <a16:rowId xmlns:a16="http://schemas.microsoft.com/office/drawing/2014/main" val="10000"/>
+                  </a:ext>
+                </a:extLst>
               </a:tr>
               <a:tr h="613987">
                 <a:tc>
@@ -12090,6 +12574,11 @@
                     </a:solidFill>
                   </a:tcPr>
                 </a:tc>
+                <a:extLst>
+                  <a:ext uri="{0D108BD9-81ED-4DB2-BD59-A6C34878D82A}">
+                    <a16:rowId xmlns:a16="http://schemas.microsoft.com/office/drawing/2014/main" val="10001"/>
+                  </a:ext>
+                </a:extLst>
               </a:tr>
               <a:tr h="613987">
                 <a:tc>
@@ -12155,6 +12644,11 @@
                     </a:solidFill>
                   </a:tcPr>
                 </a:tc>
+                <a:extLst>
+                  <a:ext uri="{0D108BD9-81ED-4DB2-BD59-A6C34878D82A}">
+                    <a16:rowId xmlns:a16="http://schemas.microsoft.com/office/drawing/2014/main" val="10002"/>
+                  </a:ext>
+                </a:extLst>
               </a:tr>
               <a:tr h="613987">
                 <a:tc>
@@ -12164,18 +12658,13 @@
                     <a:p>
                       <a:pPr algn="ctr"/>
                       <a:r>
-                        <a:rPr lang="en-US" sz="3200" dirty="0" smtClean="0">
+                        <a:rPr lang="en-US" sz="3200" dirty="0">
                           <a:solidFill>
                             <a:schemeClr val="tx1"/>
                           </a:solidFill>
                         </a:rPr>
                         <a:t>1</a:t>
                       </a:r>
-                      <a:endParaRPr lang="en-US" sz="3200" dirty="0">
-                        <a:solidFill>
-                          <a:schemeClr val="tx1"/>
-                        </a:solidFill>
-                      </a:endParaRPr>
                     </a:p>
                   </a:txBody>
                   <a:tcPr>
@@ -12228,6 +12717,11 @@
                     </a:solidFill>
                   </a:tcPr>
                 </a:tc>
+                <a:extLst>
+                  <a:ext uri="{0D108BD9-81ED-4DB2-BD59-A6C34878D82A}">
+                    <a16:rowId xmlns:a16="http://schemas.microsoft.com/office/drawing/2014/main" val="10003"/>
+                  </a:ext>
+                </a:extLst>
               </a:tr>
             </a:tbl>
           </a:graphicData>
@@ -12242,7 +12736,7 @@
           <p:nvPr>
             <p:extLst>
               <p:ext uri="{D42A27DB-BD31-4B8C-83A1-F6EECF244321}">
-                <p14:modId xmlns:p14="http://schemas.microsoft.com/office/powerpoint/2010/main" val="1012859032"/>
+                <p14:modId xmlns:p14="http://schemas.microsoft.com/office/powerpoint/2010/main" val="1461403542"/>
               </p:ext>
             </p:extLst>
           </p:nvPr>
@@ -12258,7 +12752,13 @@
                 <a:tableStyleId>{5C22544A-7EE6-4342-B048-85BDC9FD1C3A}</a:tableStyleId>
               </a:tblPr>
               <a:tblGrid>
-                <a:gridCol w="1153033"/>
+                <a:gridCol w="1153033">
+                  <a:extLst>
+                    <a:ext uri="{9D8B030D-6E8A-4147-A177-3AD203B41FA5}">
+                      <a16:colId xmlns:a16="http://schemas.microsoft.com/office/drawing/2014/main" val="20000"/>
+                    </a:ext>
+                  </a:extLst>
+                </a:gridCol>
               </a:tblGrid>
               <a:tr h="613987">
                 <a:tc>
@@ -12324,6 +12824,11 @@
                     </a:solidFill>
                   </a:tcPr>
                 </a:tc>
+                <a:extLst>
+                  <a:ext uri="{0D108BD9-81ED-4DB2-BD59-A6C34878D82A}">
+                    <a16:rowId xmlns:a16="http://schemas.microsoft.com/office/drawing/2014/main" val="10000"/>
+                  </a:ext>
+                </a:extLst>
               </a:tr>
               <a:tr h="613987">
                 <a:tc>
@@ -12333,18 +12838,13 @@
                     <a:p>
                       <a:pPr algn="ctr"/>
                       <a:r>
-                        <a:rPr lang="en-US" sz="3200" dirty="0" smtClean="0">
+                        <a:rPr lang="en-US" sz="3200" dirty="0">
                           <a:solidFill>
                             <a:schemeClr val="tx1"/>
                           </a:solidFill>
                         </a:rPr>
                         <a:t>3</a:t>
                       </a:r>
-                      <a:endParaRPr lang="en-US" sz="3200" dirty="0">
-                        <a:solidFill>
-                          <a:schemeClr val="tx1"/>
-                        </a:solidFill>
-                      </a:endParaRPr>
                     </a:p>
                   </a:txBody>
                   <a:tcPr>
@@ -12397,6 +12897,11 @@
                     </a:solidFill>
                   </a:tcPr>
                 </a:tc>
+                <a:extLst>
+                  <a:ext uri="{0D108BD9-81ED-4DB2-BD59-A6C34878D82A}">
+                    <a16:rowId xmlns:a16="http://schemas.microsoft.com/office/drawing/2014/main" val="10001"/>
+                  </a:ext>
+                </a:extLst>
               </a:tr>
             </a:tbl>
           </a:graphicData>
@@ -12411,7 +12916,7 @@
           <p:nvPr>
             <p:extLst>
               <p:ext uri="{D42A27DB-BD31-4B8C-83A1-F6EECF244321}">
-                <p14:modId xmlns:p14="http://schemas.microsoft.com/office/powerpoint/2010/main" val="889180216"/>
+                <p14:modId xmlns:p14="http://schemas.microsoft.com/office/powerpoint/2010/main" val="431622861"/>
               </p:ext>
             </p:extLst>
           </p:nvPr>
@@ -12427,7 +12932,13 @@
                 <a:tableStyleId>{5C22544A-7EE6-4342-B048-85BDC9FD1C3A}</a:tableStyleId>
               </a:tblPr>
               <a:tblGrid>
-                <a:gridCol w="1153033"/>
+                <a:gridCol w="1153033">
+                  <a:extLst>
+                    <a:ext uri="{9D8B030D-6E8A-4147-A177-3AD203B41FA5}">
+                      <a16:colId xmlns:a16="http://schemas.microsoft.com/office/drawing/2014/main" val="20000"/>
+                    </a:ext>
+                  </a:extLst>
+                </a:gridCol>
               </a:tblGrid>
               <a:tr h="613987">
                 <a:tc>
@@ -12493,6 +13004,11 @@
                     </a:solidFill>
                   </a:tcPr>
                 </a:tc>
+                <a:extLst>
+                  <a:ext uri="{0D108BD9-81ED-4DB2-BD59-A6C34878D82A}">
+                    <a16:rowId xmlns:a16="http://schemas.microsoft.com/office/drawing/2014/main" val="10000"/>
+                  </a:ext>
+                </a:extLst>
               </a:tr>
               <a:tr h="613987">
                 <a:tc>
@@ -12558,6 +13074,11 @@
                     </a:solidFill>
                   </a:tcPr>
                 </a:tc>
+                <a:extLst>
+                  <a:ext uri="{0D108BD9-81ED-4DB2-BD59-A6C34878D82A}">
+                    <a16:rowId xmlns:a16="http://schemas.microsoft.com/office/drawing/2014/main" val="10001"/>
+                  </a:ext>
+                </a:extLst>
               </a:tr>
               <a:tr h="613987">
                 <a:tc>
@@ -12567,18 +13088,13 @@
                     <a:p>
                       <a:pPr algn="ctr"/>
                       <a:r>
-                        <a:rPr lang="en-US" sz="3200" dirty="0" smtClean="0">
+                        <a:rPr lang="en-US" sz="3200" dirty="0">
                           <a:solidFill>
                             <a:schemeClr val="tx1"/>
                           </a:solidFill>
                         </a:rPr>
                         <a:t>5</a:t>
                       </a:r>
-                      <a:endParaRPr lang="en-US" sz="3200" dirty="0">
-                        <a:solidFill>
-                          <a:schemeClr val="tx1"/>
-                        </a:solidFill>
-                      </a:endParaRPr>
                     </a:p>
                   </a:txBody>
                   <a:tcPr>
@@ -12631,6 +13147,11 @@
                     </a:solidFill>
                   </a:tcPr>
                 </a:tc>
+                <a:extLst>
+                  <a:ext uri="{0D108BD9-81ED-4DB2-BD59-A6C34878D82A}">
+                    <a16:rowId xmlns:a16="http://schemas.microsoft.com/office/drawing/2014/main" val="10002"/>
+                  </a:ext>
+                </a:extLst>
               </a:tr>
             </a:tbl>
           </a:graphicData>
@@ -12645,7 +13166,7 @@
           <p:nvPr>
             <p:extLst>
               <p:ext uri="{D42A27DB-BD31-4B8C-83A1-F6EECF244321}">
-                <p14:modId xmlns:p14="http://schemas.microsoft.com/office/powerpoint/2010/main" val="1545354428"/>
+                <p14:modId xmlns:p14="http://schemas.microsoft.com/office/powerpoint/2010/main" val="978069008"/>
               </p:ext>
             </p:extLst>
           </p:nvPr>
@@ -12661,7 +13182,13 @@
                 <a:tableStyleId>{5C22544A-7EE6-4342-B048-85BDC9FD1C3A}</a:tableStyleId>
               </a:tblPr>
               <a:tblGrid>
-                <a:gridCol w="1153033"/>
+                <a:gridCol w="1153033">
+                  <a:extLst>
+                    <a:ext uri="{9D8B030D-6E8A-4147-A177-3AD203B41FA5}">
+                      <a16:colId xmlns:a16="http://schemas.microsoft.com/office/drawing/2014/main" val="20000"/>
+                    </a:ext>
+                  </a:extLst>
+                </a:gridCol>
               </a:tblGrid>
               <a:tr h="613987">
                 <a:tc>
@@ -12727,6 +13254,11 @@
                     </a:solidFill>
                   </a:tcPr>
                 </a:tc>
+                <a:extLst>
+                  <a:ext uri="{0D108BD9-81ED-4DB2-BD59-A6C34878D82A}">
+                    <a16:rowId xmlns:a16="http://schemas.microsoft.com/office/drawing/2014/main" val="10000"/>
+                  </a:ext>
+                </a:extLst>
               </a:tr>
               <a:tr h="613987">
                 <a:tc>
@@ -12736,18 +13268,13 @@
                     <a:p>
                       <a:pPr algn="ctr"/>
                       <a:r>
-                        <a:rPr lang="en-US" sz="3200" dirty="0" smtClean="0">
+                        <a:rPr lang="en-US" sz="3200" dirty="0">
                           <a:solidFill>
                             <a:schemeClr val="tx1"/>
                           </a:solidFill>
                         </a:rPr>
                         <a:t>7</a:t>
                       </a:r>
-                      <a:endParaRPr lang="en-US" sz="3200" dirty="0">
-                        <a:solidFill>
-                          <a:schemeClr val="tx1"/>
-                        </a:solidFill>
-                      </a:endParaRPr>
                     </a:p>
                   </a:txBody>
                   <a:tcPr>
@@ -12800,6 +13327,11 @@
                     </a:solidFill>
                   </a:tcPr>
                 </a:tc>
+                <a:extLst>
+                  <a:ext uri="{0D108BD9-81ED-4DB2-BD59-A6C34878D82A}">
+                    <a16:rowId xmlns:a16="http://schemas.microsoft.com/office/drawing/2014/main" val="10001"/>
+                  </a:ext>
+                </a:extLst>
               </a:tr>
             </a:tbl>
           </a:graphicData>
@@ -12814,7 +13346,7 @@
           <p:nvPr>
             <p:extLst>
               <p:ext uri="{D42A27DB-BD31-4B8C-83A1-F6EECF244321}">
-                <p14:modId xmlns:p14="http://schemas.microsoft.com/office/powerpoint/2010/main" val="2096734406"/>
+                <p14:modId xmlns:p14="http://schemas.microsoft.com/office/powerpoint/2010/main" val="1070962495"/>
               </p:ext>
             </p:extLst>
           </p:nvPr>
@@ -12830,7 +13362,13 @@
                 <a:tableStyleId>{5C22544A-7EE6-4342-B048-85BDC9FD1C3A}</a:tableStyleId>
               </a:tblPr>
               <a:tblGrid>
-                <a:gridCol w="1153033"/>
+                <a:gridCol w="1153033">
+                  <a:extLst>
+                    <a:ext uri="{9D8B030D-6E8A-4147-A177-3AD203B41FA5}">
+                      <a16:colId xmlns:a16="http://schemas.microsoft.com/office/drawing/2014/main" val="20000"/>
+                    </a:ext>
+                  </a:extLst>
+                </a:gridCol>
               </a:tblGrid>
               <a:tr h="613987">
                 <a:tc>
@@ -12896,6 +13434,11 @@
                     </a:solidFill>
                   </a:tcPr>
                 </a:tc>
+                <a:extLst>
+                  <a:ext uri="{0D108BD9-81ED-4DB2-BD59-A6C34878D82A}">
+                    <a16:rowId xmlns:a16="http://schemas.microsoft.com/office/drawing/2014/main" val="10000"/>
+                  </a:ext>
+                </a:extLst>
               </a:tr>
               <a:tr h="613987">
                 <a:tc>
@@ -12961,6 +13504,11 @@
                     </a:solidFill>
                   </a:tcPr>
                 </a:tc>
+                <a:extLst>
+                  <a:ext uri="{0D108BD9-81ED-4DB2-BD59-A6C34878D82A}">
+                    <a16:rowId xmlns:a16="http://schemas.microsoft.com/office/drawing/2014/main" val="10001"/>
+                  </a:ext>
+                </a:extLst>
               </a:tr>
               <a:tr h="613987">
                 <a:tc>
@@ -13026,6 +13574,11 @@
                     </a:solidFill>
                   </a:tcPr>
                 </a:tc>
+                <a:extLst>
+                  <a:ext uri="{0D108BD9-81ED-4DB2-BD59-A6C34878D82A}">
+                    <a16:rowId xmlns:a16="http://schemas.microsoft.com/office/drawing/2014/main" val="10002"/>
+                  </a:ext>
+                </a:extLst>
               </a:tr>
               <a:tr h="613987">
                 <a:tc>
@@ -13035,18 +13588,13 @@
                     <a:p>
                       <a:pPr algn="ctr"/>
                       <a:r>
-                        <a:rPr lang="en-US" sz="3200" dirty="0" smtClean="0">
+                        <a:rPr lang="en-US" sz="3200" dirty="0">
                           <a:solidFill>
                             <a:schemeClr val="tx1"/>
                           </a:solidFill>
                         </a:rPr>
                         <a:t>9</a:t>
                       </a:r>
-                      <a:endParaRPr lang="en-US" sz="3200" dirty="0">
-                        <a:solidFill>
-                          <a:schemeClr val="tx1"/>
-                        </a:solidFill>
-                      </a:endParaRPr>
                     </a:p>
                   </a:txBody>
                   <a:tcPr>
@@ -13099,6 +13647,11 @@
                     </a:solidFill>
                   </a:tcPr>
                 </a:tc>
+                <a:extLst>
+                  <a:ext uri="{0D108BD9-81ED-4DB2-BD59-A6C34878D82A}">
+                    <a16:rowId xmlns:a16="http://schemas.microsoft.com/office/drawing/2014/main" val="10003"/>
+                  </a:ext>
+                </a:extLst>
               </a:tr>
             </a:tbl>
           </a:graphicData>
@@ -13488,10 +14041,9 @@
           <a:p>
             <a:pPr algn="ctr"/>
             <a:r>
-              <a:rPr lang="en-US" sz="2800" dirty="0" smtClean="0"/>
+              <a:rPr lang="en-US" sz="2800" dirty="0"/>
               <a:t>Step 1: Find 5</a:t>
             </a:r>
-            <a:endParaRPr lang="en-US" sz="2800" dirty="0"/>
           </a:p>
         </p:txBody>
       </p:sp>
@@ -13534,7 +14086,7 @@
           <p:nvPr>
             <p:extLst>
               <p:ext uri="{D42A27DB-BD31-4B8C-83A1-F6EECF244321}">
-                <p14:modId xmlns:p14="http://schemas.microsoft.com/office/powerpoint/2010/main" val="745488801"/>
+                <p14:modId xmlns:p14="http://schemas.microsoft.com/office/powerpoint/2010/main" val="40049761"/>
               </p:ext>
             </p:extLst>
           </p:nvPr>
@@ -13550,7 +14102,13 @@
                 <a:tableStyleId>{5C22544A-7EE6-4342-B048-85BDC9FD1C3A}</a:tableStyleId>
               </a:tblPr>
               <a:tblGrid>
-                <a:gridCol w="1153033"/>
+                <a:gridCol w="1153033">
+                  <a:extLst>
+                    <a:ext uri="{9D8B030D-6E8A-4147-A177-3AD203B41FA5}">
+                      <a16:colId xmlns:a16="http://schemas.microsoft.com/office/drawing/2014/main" val="20000"/>
+                    </a:ext>
+                  </a:extLst>
+                </a:gridCol>
               </a:tblGrid>
               <a:tr h="613987">
                 <a:tc>
@@ -13616,6 +14174,11 @@
                     </a:solidFill>
                   </a:tcPr>
                 </a:tc>
+                <a:extLst>
+                  <a:ext uri="{0D108BD9-81ED-4DB2-BD59-A6C34878D82A}">
+                    <a16:rowId xmlns:a16="http://schemas.microsoft.com/office/drawing/2014/main" val="10000"/>
+                  </a:ext>
+                </a:extLst>
               </a:tr>
               <a:tr h="613987">
                 <a:tc>
@@ -13681,6 +14244,11 @@
                     </a:solidFill>
                   </a:tcPr>
                 </a:tc>
+                <a:extLst>
+                  <a:ext uri="{0D108BD9-81ED-4DB2-BD59-A6C34878D82A}">
+                    <a16:rowId xmlns:a16="http://schemas.microsoft.com/office/drawing/2014/main" val="10001"/>
+                  </a:ext>
+                </a:extLst>
               </a:tr>
               <a:tr h="613987">
                 <a:tc>
@@ -13746,6 +14314,11 @@
                     </a:solidFill>
                   </a:tcPr>
                 </a:tc>
+                <a:extLst>
+                  <a:ext uri="{0D108BD9-81ED-4DB2-BD59-A6C34878D82A}">
+                    <a16:rowId xmlns:a16="http://schemas.microsoft.com/office/drawing/2014/main" val="10002"/>
+                  </a:ext>
+                </a:extLst>
               </a:tr>
             </a:tbl>
           </a:graphicData>
@@ -13775,10 +14348,9 @@
           <a:p>
             <a:pPr algn="ctr"/>
             <a:r>
-              <a:rPr lang="en-US" smtClean="0"/>
+              <a:rPr lang="en-US"/>
               <a:t>head</a:t>
             </a:r>
-            <a:endParaRPr lang="en-US"/>
           </a:p>
         </p:txBody>
       </p:sp>
@@ -13791,7 +14363,7 @@
           <p:nvPr>
             <p:extLst>
               <p:ext uri="{D42A27DB-BD31-4B8C-83A1-F6EECF244321}">
-                <p14:modId xmlns:p14="http://schemas.microsoft.com/office/powerpoint/2010/main" val="24288434"/>
+                <p14:modId xmlns:p14="http://schemas.microsoft.com/office/powerpoint/2010/main" val="2889873224"/>
               </p:ext>
             </p:extLst>
           </p:nvPr>
@@ -13807,7 +14379,13 @@
                 <a:tableStyleId>{5C22544A-7EE6-4342-B048-85BDC9FD1C3A}</a:tableStyleId>
               </a:tblPr>
               <a:tblGrid>
-                <a:gridCol w="1153033"/>
+                <a:gridCol w="1153033">
+                  <a:extLst>
+                    <a:ext uri="{9D8B030D-6E8A-4147-A177-3AD203B41FA5}">
+                      <a16:colId xmlns:a16="http://schemas.microsoft.com/office/drawing/2014/main" val="20000"/>
+                    </a:ext>
+                  </a:extLst>
+                </a:gridCol>
               </a:tblGrid>
               <a:tr h="613987">
                 <a:tc>
@@ -13873,6 +14451,11 @@
                     </a:solidFill>
                   </a:tcPr>
                 </a:tc>
+                <a:extLst>
+                  <a:ext uri="{0D108BD9-81ED-4DB2-BD59-A6C34878D82A}">
+                    <a16:rowId xmlns:a16="http://schemas.microsoft.com/office/drawing/2014/main" val="10000"/>
+                  </a:ext>
+                </a:extLst>
               </a:tr>
               <a:tr h="613987">
                 <a:tc>
@@ -13938,6 +14521,11 @@
                     </a:solidFill>
                   </a:tcPr>
                 </a:tc>
+                <a:extLst>
+                  <a:ext uri="{0D108BD9-81ED-4DB2-BD59-A6C34878D82A}">
+                    <a16:rowId xmlns:a16="http://schemas.microsoft.com/office/drawing/2014/main" val="10001"/>
+                  </a:ext>
+                </a:extLst>
               </a:tr>
               <a:tr h="613987">
                 <a:tc>
@@ -14003,6 +14591,11 @@
                     </a:solidFill>
                   </a:tcPr>
                 </a:tc>
+                <a:extLst>
+                  <a:ext uri="{0D108BD9-81ED-4DB2-BD59-A6C34878D82A}">
+                    <a16:rowId xmlns:a16="http://schemas.microsoft.com/office/drawing/2014/main" val="10002"/>
+                  </a:ext>
+                </a:extLst>
               </a:tr>
               <a:tr h="613987">
                 <a:tc>
@@ -14012,18 +14605,13 @@
                     <a:p>
                       <a:pPr algn="ctr"/>
                       <a:r>
-                        <a:rPr lang="en-US" sz="3200" dirty="0" smtClean="0">
+                        <a:rPr lang="en-US" sz="3200" dirty="0">
                           <a:solidFill>
                             <a:schemeClr val="tx1"/>
                           </a:solidFill>
                         </a:rPr>
                         <a:t>1</a:t>
                       </a:r>
-                      <a:endParaRPr lang="en-US" sz="3200" dirty="0">
-                        <a:solidFill>
-                          <a:schemeClr val="tx1"/>
-                        </a:solidFill>
-                      </a:endParaRPr>
                     </a:p>
                   </a:txBody>
                   <a:tcPr>
@@ -14076,6 +14664,11 @@
                     </a:solidFill>
                   </a:tcPr>
                 </a:tc>
+                <a:extLst>
+                  <a:ext uri="{0D108BD9-81ED-4DB2-BD59-A6C34878D82A}">
+                    <a16:rowId xmlns:a16="http://schemas.microsoft.com/office/drawing/2014/main" val="10003"/>
+                  </a:ext>
+                </a:extLst>
               </a:tr>
             </a:tbl>
           </a:graphicData>
@@ -14090,7 +14683,7 @@
           <p:nvPr>
             <p:extLst>
               <p:ext uri="{D42A27DB-BD31-4B8C-83A1-F6EECF244321}">
-                <p14:modId xmlns:p14="http://schemas.microsoft.com/office/powerpoint/2010/main" val="1012859032"/>
+                <p14:modId xmlns:p14="http://schemas.microsoft.com/office/powerpoint/2010/main" val="313910817"/>
               </p:ext>
             </p:extLst>
           </p:nvPr>
@@ -14106,7 +14699,13 @@
                 <a:tableStyleId>{5C22544A-7EE6-4342-B048-85BDC9FD1C3A}</a:tableStyleId>
               </a:tblPr>
               <a:tblGrid>
-                <a:gridCol w="1153033"/>
+                <a:gridCol w="1153033">
+                  <a:extLst>
+                    <a:ext uri="{9D8B030D-6E8A-4147-A177-3AD203B41FA5}">
+                      <a16:colId xmlns:a16="http://schemas.microsoft.com/office/drawing/2014/main" val="20000"/>
+                    </a:ext>
+                  </a:extLst>
+                </a:gridCol>
               </a:tblGrid>
               <a:tr h="613987">
                 <a:tc>
@@ -14172,6 +14771,11 @@
                     </a:solidFill>
                   </a:tcPr>
                 </a:tc>
+                <a:extLst>
+                  <a:ext uri="{0D108BD9-81ED-4DB2-BD59-A6C34878D82A}">
+                    <a16:rowId xmlns:a16="http://schemas.microsoft.com/office/drawing/2014/main" val="10000"/>
+                  </a:ext>
+                </a:extLst>
               </a:tr>
               <a:tr h="613987">
                 <a:tc>
@@ -14181,18 +14785,13 @@
                     <a:p>
                       <a:pPr algn="ctr"/>
                       <a:r>
-                        <a:rPr lang="en-US" sz="3200" dirty="0" smtClean="0">
+                        <a:rPr lang="en-US" sz="3200" dirty="0">
                           <a:solidFill>
                             <a:schemeClr val="tx1"/>
                           </a:solidFill>
                         </a:rPr>
                         <a:t>3</a:t>
                       </a:r>
-                      <a:endParaRPr lang="en-US" sz="3200" dirty="0">
-                        <a:solidFill>
-                          <a:schemeClr val="tx1"/>
-                        </a:solidFill>
-                      </a:endParaRPr>
                     </a:p>
                   </a:txBody>
                   <a:tcPr>
@@ -14245,6 +14844,11 @@
                     </a:solidFill>
                   </a:tcPr>
                 </a:tc>
+                <a:extLst>
+                  <a:ext uri="{0D108BD9-81ED-4DB2-BD59-A6C34878D82A}">
+                    <a16:rowId xmlns:a16="http://schemas.microsoft.com/office/drawing/2014/main" val="10001"/>
+                  </a:ext>
+                </a:extLst>
               </a:tr>
             </a:tbl>
           </a:graphicData>
@@ -14259,7 +14863,7 @@
           <p:nvPr>
             <p:extLst>
               <p:ext uri="{D42A27DB-BD31-4B8C-83A1-F6EECF244321}">
-                <p14:modId xmlns:p14="http://schemas.microsoft.com/office/powerpoint/2010/main" val="1545354428"/>
+                <p14:modId xmlns:p14="http://schemas.microsoft.com/office/powerpoint/2010/main" val="1449363050"/>
               </p:ext>
             </p:extLst>
           </p:nvPr>
@@ -14275,7 +14879,13 @@
                 <a:tableStyleId>{5C22544A-7EE6-4342-B048-85BDC9FD1C3A}</a:tableStyleId>
               </a:tblPr>
               <a:tblGrid>
-                <a:gridCol w="1153033"/>
+                <a:gridCol w="1153033">
+                  <a:extLst>
+                    <a:ext uri="{9D8B030D-6E8A-4147-A177-3AD203B41FA5}">
+                      <a16:colId xmlns:a16="http://schemas.microsoft.com/office/drawing/2014/main" val="20000"/>
+                    </a:ext>
+                  </a:extLst>
+                </a:gridCol>
               </a:tblGrid>
               <a:tr h="613987">
                 <a:tc>
@@ -14341,6 +14951,11 @@
                     </a:solidFill>
                   </a:tcPr>
                 </a:tc>
+                <a:extLst>
+                  <a:ext uri="{0D108BD9-81ED-4DB2-BD59-A6C34878D82A}">
+                    <a16:rowId xmlns:a16="http://schemas.microsoft.com/office/drawing/2014/main" val="10000"/>
+                  </a:ext>
+                </a:extLst>
               </a:tr>
               <a:tr h="613987">
                 <a:tc>
@@ -14350,18 +14965,13 @@
                     <a:p>
                       <a:pPr algn="ctr"/>
                       <a:r>
-                        <a:rPr lang="en-US" sz="3200" dirty="0" smtClean="0">
+                        <a:rPr lang="en-US" sz="3200" dirty="0">
                           <a:solidFill>
                             <a:schemeClr val="tx1"/>
                           </a:solidFill>
                         </a:rPr>
                         <a:t>7</a:t>
                       </a:r>
-                      <a:endParaRPr lang="en-US" sz="3200" dirty="0">
-                        <a:solidFill>
-                          <a:schemeClr val="tx1"/>
-                        </a:solidFill>
-                      </a:endParaRPr>
                     </a:p>
                   </a:txBody>
                   <a:tcPr>
@@ -14414,6 +15024,11 @@
                     </a:solidFill>
                   </a:tcPr>
                 </a:tc>
+                <a:extLst>
+                  <a:ext uri="{0D108BD9-81ED-4DB2-BD59-A6C34878D82A}">
+                    <a16:rowId xmlns:a16="http://schemas.microsoft.com/office/drawing/2014/main" val="10001"/>
+                  </a:ext>
+                </a:extLst>
               </a:tr>
             </a:tbl>
           </a:graphicData>
@@ -14428,7 +15043,7 @@
           <p:nvPr>
             <p:extLst>
               <p:ext uri="{D42A27DB-BD31-4B8C-83A1-F6EECF244321}">
-                <p14:modId xmlns:p14="http://schemas.microsoft.com/office/powerpoint/2010/main" val="2096734406"/>
+                <p14:modId xmlns:p14="http://schemas.microsoft.com/office/powerpoint/2010/main" val="1618799125"/>
               </p:ext>
             </p:extLst>
           </p:nvPr>
@@ -14444,7 +15059,13 @@
                 <a:tableStyleId>{5C22544A-7EE6-4342-B048-85BDC9FD1C3A}</a:tableStyleId>
               </a:tblPr>
               <a:tblGrid>
-                <a:gridCol w="1153033"/>
+                <a:gridCol w="1153033">
+                  <a:extLst>
+                    <a:ext uri="{9D8B030D-6E8A-4147-A177-3AD203B41FA5}">
+                      <a16:colId xmlns:a16="http://schemas.microsoft.com/office/drawing/2014/main" val="20000"/>
+                    </a:ext>
+                  </a:extLst>
+                </a:gridCol>
               </a:tblGrid>
               <a:tr h="613987">
                 <a:tc>
@@ -14510,6 +15131,11 @@
                     </a:solidFill>
                   </a:tcPr>
                 </a:tc>
+                <a:extLst>
+                  <a:ext uri="{0D108BD9-81ED-4DB2-BD59-A6C34878D82A}">
+                    <a16:rowId xmlns:a16="http://schemas.microsoft.com/office/drawing/2014/main" val="10000"/>
+                  </a:ext>
+                </a:extLst>
               </a:tr>
               <a:tr h="613987">
                 <a:tc>
@@ -14575,6 +15201,11 @@
                     </a:solidFill>
                   </a:tcPr>
                 </a:tc>
+                <a:extLst>
+                  <a:ext uri="{0D108BD9-81ED-4DB2-BD59-A6C34878D82A}">
+                    <a16:rowId xmlns:a16="http://schemas.microsoft.com/office/drawing/2014/main" val="10001"/>
+                  </a:ext>
+                </a:extLst>
               </a:tr>
               <a:tr h="613987">
                 <a:tc>
@@ -14640,6 +15271,11 @@
                     </a:solidFill>
                   </a:tcPr>
                 </a:tc>
+                <a:extLst>
+                  <a:ext uri="{0D108BD9-81ED-4DB2-BD59-A6C34878D82A}">
+                    <a16:rowId xmlns:a16="http://schemas.microsoft.com/office/drawing/2014/main" val="10002"/>
+                  </a:ext>
+                </a:extLst>
               </a:tr>
               <a:tr h="613987">
                 <a:tc>
@@ -14649,18 +15285,13 @@
                     <a:p>
                       <a:pPr algn="ctr"/>
                       <a:r>
-                        <a:rPr lang="en-US" sz="3200" dirty="0" smtClean="0">
+                        <a:rPr lang="en-US" sz="3200" dirty="0">
                           <a:solidFill>
                             <a:schemeClr val="tx1"/>
                           </a:solidFill>
                         </a:rPr>
                         <a:t>9</a:t>
                       </a:r>
-                      <a:endParaRPr lang="en-US" sz="3200" dirty="0">
-                        <a:solidFill>
-                          <a:schemeClr val="tx1"/>
-                        </a:solidFill>
-                      </a:endParaRPr>
                     </a:p>
                   </a:txBody>
                   <a:tcPr>
@@ -14713,6 +15344,11 @@
                     </a:solidFill>
                   </a:tcPr>
                 </a:tc>
+                <a:extLst>
+                  <a:ext uri="{0D108BD9-81ED-4DB2-BD59-A6C34878D82A}">
+                    <a16:rowId xmlns:a16="http://schemas.microsoft.com/office/drawing/2014/main" val="10003"/>
+                  </a:ext>
+                </a:extLst>
               </a:tr>
             </a:tbl>
           </a:graphicData>
@@ -15030,10 +15666,9 @@
           <a:p>
             <a:pPr algn="ctr"/>
             <a:r>
-              <a:rPr lang="en-US" sz="2800" dirty="0" smtClean="0"/>
+              <a:rPr lang="en-US" sz="2800" dirty="0"/>
               <a:t>Step 2: Remove 5</a:t>
             </a:r>
-            <a:endParaRPr lang="en-US" sz="2800" dirty="0"/>
           </a:p>
         </p:txBody>
       </p:sp>
@@ -15076,7 +15711,7 @@
           <p:nvPr>
             <p:extLst>
               <p:ext uri="{D42A27DB-BD31-4B8C-83A1-F6EECF244321}">
-                <p14:modId xmlns:p14="http://schemas.microsoft.com/office/powerpoint/2010/main" val="745488801"/>
+                <p14:modId xmlns:p14="http://schemas.microsoft.com/office/powerpoint/2010/main" val="2161658608"/>
               </p:ext>
             </p:extLst>
           </p:nvPr>
@@ -15092,7 +15727,13 @@
                 <a:tableStyleId>{5C22544A-7EE6-4342-B048-85BDC9FD1C3A}</a:tableStyleId>
               </a:tblPr>
               <a:tblGrid>
-                <a:gridCol w="1153033"/>
+                <a:gridCol w="1153033">
+                  <a:extLst>
+                    <a:ext uri="{9D8B030D-6E8A-4147-A177-3AD203B41FA5}">
+                      <a16:colId xmlns:a16="http://schemas.microsoft.com/office/drawing/2014/main" val="20000"/>
+                    </a:ext>
+                  </a:extLst>
+                </a:gridCol>
               </a:tblGrid>
               <a:tr h="613987">
                 <a:tc>
@@ -15158,6 +15799,11 @@
                     </a:solidFill>
                   </a:tcPr>
                 </a:tc>
+                <a:extLst>
+                  <a:ext uri="{0D108BD9-81ED-4DB2-BD59-A6C34878D82A}">
+                    <a16:rowId xmlns:a16="http://schemas.microsoft.com/office/drawing/2014/main" val="10000"/>
+                  </a:ext>
+                </a:extLst>
               </a:tr>
               <a:tr h="613987">
                 <a:tc>
@@ -15223,6 +15869,11 @@
                     </a:solidFill>
                   </a:tcPr>
                 </a:tc>
+                <a:extLst>
+                  <a:ext uri="{0D108BD9-81ED-4DB2-BD59-A6C34878D82A}">
+                    <a16:rowId xmlns:a16="http://schemas.microsoft.com/office/drawing/2014/main" val="10001"/>
+                  </a:ext>
+                </a:extLst>
               </a:tr>
               <a:tr h="613987">
                 <a:tc>
@@ -15288,6 +15939,11 @@
                     </a:solidFill>
                   </a:tcPr>
                 </a:tc>
+                <a:extLst>
+                  <a:ext uri="{0D108BD9-81ED-4DB2-BD59-A6C34878D82A}">
+                    <a16:rowId xmlns:a16="http://schemas.microsoft.com/office/drawing/2014/main" val="10002"/>
+                  </a:ext>
+                </a:extLst>
               </a:tr>
             </a:tbl>
           </a:graphicData>
@@ -15317,10 +15973,9 @@
           <a:p>
             <a:pPr algn="ctr"/>
             <a:r>
-              <a:rPr lang="en-US" smtClean="0"/>
+              <a:rPr lang="en-US"/>
               <a:t>head</a:t>
             </a:r>
-            <a:endParaRPr lang="en-US"/>
           </a:p>
         </p:txBody>
       </p:sp>
@@ -15333,7 +15988,7 @@
           <p:nvPr>
             <p:extLst>
               <p:ext uri="{D42A27DB-BD31-4B8C-83A1-F6EECF244321}">
-                <p14:modId xmlns:p14="http://schemas.microsoft.com/office/powerpoint/2010/main" val="806496624"/>
+                <p14:modId xmlns:p14="http://schemas.microsoft.com/office/powerpoint/2010/main" val="2423977577"/>
               </p:ext>
             </p:extLst>
           </p:nvPr>
@@ -15349,7 +16004,13 @@
                 <a:tableStyleId>{5C22544A-7EE6-4342-B048-85BDC9FD1C3A}</a:tableStyleId>
               </a:tblPr>
               <a:tblGrid>
-                <a:gridCol w="1153033"/>
+                <a:gridCol w="1153033">
+                  <a:extLst>
+                    <a:ext uri="{9D8B030D-6E8A-4147-A177-3AD203B41FA5}">
+                      <a16:colId xmlns:a16="http://schemas.microsoft.com/office/drawing/2014/main" val="20000"/>
+                    </a:ext>
+                  </a:extLst>
+                </a:gridCol>
               </a:tblGrid>
               <a:tr h="613987">
                 <a:tc>
@@ -15415,6 +16076,11 @@
                     </a:solidFill>
                   </a:tcPr>
                 </a:tc>
+                <a:extLst>
+                  <a:ext uri="{0D108BD9-81ED-4DB2-BD59-A6C34878D82A}">
+                    <a16:rowId xmlns:a16="http://schemas.microsoft.com/office/drawing/2014/main" val="10000"/>
+                  </a:ext>
+                </a:extLst>
               </a:tr>
               <a:tr h="613987">
                 <a:tc>
@@ -15480,6 +16146,11 @@
                     </a:solidFill>
                   </a:tcPr>
                 </a:tc>
+                <a:extLst>
+                  <a:ext uri="{0D108BD9-81ED-4DB2-BD59-A6C34878D82A}">
+                    <a16:rowId xmlns:a16="http://schemas.microsoft.com/office/drawing/2014/main" val="10001"/>
+                  </a:ext>
+                </a:extLst>
               </a:tr>
               <a:tr h="613987">
                 <a:tc>
@@ -15545,6 +16216,11 @@
                     </a:solidFill>
                   </a:tcPr>
                 </a:tc>
+                <a:extLst>
+                  <a:ext uri="{0D108BD9-81ED-4DB2-BD59-A6C34878D82A}">
+                    <a16:rowId xmlns:a16="http://schemas.microsoft.com/office/drawing/2014/main" val="10002"/>
+                  </a:ext>
+                </a:extLst>
               </a:tr>
               <a:tr h="613987">
                 <a:tc>
@@ -15554,18 +16230,13 @@
                     <a:p>
                       <a:pPr algn="ctr"/>
                       <a:r>
-                        <a:rPr lang="en-US" sz="3200" dirty="0" smtClean="0">
+                        <a:rPr lang="en-US" sz="3200" dirty="0">
                           <a:solidFill>
                             <a:schemeClr val="tx1"/>
                           </a:solidFill>
                         </a:rPr>
                         <a:t>1</a:t>
                       </a:r>
-                      <a:endParaRPr lang="en-US" sz="3200" dirty="0">
-                        <a:solidFill>
-                          <a:schemeClr val="tx1"/>
-                        </a:solidFill>
-                      </a:endParaRPr>
                     </a:p>
                   </a:txBody>
                   <a:tcPr>
@@ -15618,6 +16289,11 @@
                     </a:solidFill>
                   </a:tcPr>
                 </a:tc>
+                <a:extLst>
+                  <a:ext uri="{0D108BD9-81ED-4DB2-BD59-A6C34878D82A}">
+                    <a16:rowId xmlns:a16="http://schemas.microsoft.com/office/drawing/2014/main" val="10003"/>
+                  </a:ext>
+                </a:extLst>
               </a:tr>
             </a:tbl>
           </a:graphicData>
@@ -15632,7 +16308,7 @@
           <p:nvPr>
             <p:extLst>
               <p:ext uri="{D42A27DB-BD31-4B8C-83A1-F6EECF244321}">
-                <p14:modId xmlns:p14="http://schemas.microsoft.com/office/powerpoint/2010/main" val="141499422"/>
+                <p14:modId xmlns:p14="http://schemas.microsoft.com/office/powerpoint/2010/main" val="3537193915"/>
               </p:ext>
             </p:extLst>
           </p:nvPr>
@@ -15648,7 +16324,13 @@
                 <a:tableStyleId>{5C22544A-7EE6-4342-B048-85BDC9FD1C3A}</a:tableStyleId>
               </a:tblPr>
               <a:tblGrid>
-                <a:gridCol w="1153033"/>
+                <a:gridCol w="1153033">
+                  <a:extLst>
+                    <a:ext uri="{9D8B030D-6E8A-4147-A177-3AD203B41FA5}">
+                      <a16:colId xmlns:a16="http://schemas.microsoft.com/office/drawing/2014/main" val="20000"/>
+                    </a:ext>
+                  </a:extLst>
+                </a:gridCol>
               </a:tblGrid>
               <a:tr h="613987">
                 <a:tc>
@@ -15714,6 +16396,11 @@
                     </a:solidFill>
                   </a:tcPr>
                 </a:tc>
+                <a:extLst>
+                  <a:ext uri="{0D108BD9-81ED-4DB2-BD59-A6C34878D82A}">
+                    <a16:rowId xmlns:a16="http://schemas.microsoft.com/office/drawing/2014/main" val="10000"/>
+                  </a:ext>
+                </a:extLst>
               </a:tr>
               <a:tr h="613987">
                 <a:tc>
@@ -15779,6 +16466,11 @@
                     </a:solidFill>
                   </a:tcPr>
                 </a:tc>
+                <a:extLst>
+                  <a:ext uri="{0D108BD9-81ED-4DB2-BD59-A6C34878D82A}">
+                    <a16:rowId xmlns:a16="http://schemas.microsoft.com/office/drawing/2014/main" val="10001"/>
+                  </a:ext>
+                </a:extLst>
               </a:tr>
               <a:tr h="613987">
                 <a:tc>
@@ -15788,18 +16480,13 @@
                     <a:p>
                       <a:pPr algn="ctr"/>
                       <a:r>
-                        <a:rPr lang="en-US" sz="3200" dirty="0" smtClean="0">
+                        <a:rPr lang="en-US" sz="3200" dirty="0">
                           <a:solidFill>
                             <a:schemeClr val="tx1"/>
                           </a:solidFill>
                         </a:rPr>
                         <a:t>2</a:t>
                       </a:r>
-                      <a:endParaRPr lang="en-US" sz="3200" dirty="0">
-                        <a:solidFill>
-                          <a:schemeClr val="tx1"/>
-                        </a:solidFill>
-                      </a:endParaRPr>
                     </a:p>
                   </a:txBody>
                   <a:tcPr>
@@ -15852,6 +16539,11 @@
                     </a:solidFill>
                   </a:tcPr>
                 </a:tc>
+                <a:extLst>
+                  <a:ext uri="{0D108BD9-81ED-4DB2-BD59-A6C34878D82A}">
+                    <a16:rowId xmlns:a16="http://schemas.microsoft.com/office/drawing/2014/main" val="10002"/>
+                  </a:ext>
+                </a:extLst>
               </a:tr>
             </a:tbl>
           </a:graphicData>
@@ -15866,7 +16558,7 @@
           <p:nvPr>
             <p:extLst>
               <p:ext uri="{D42A27DB-BD31-4B8C-83A1-F6EECF244321}">
-                <p14:modId xmlns:p14="http://schemas.microsoft.com/office/powerpoint/2010/main" val="1196458103"/>
+                <p14:modId xmlns:p14="http://schemas.microsoft.com/office/powerpoint/2010/main" val="3437323794"/>
               </p:ext>
             </p:extLst>
           </p:nvPr>
@@ -15882,7 +16574,13 @@
                 <a:tableStyleId>{5C22544A-7EE6-4342-B048-85BDC9FD1C3A}</a:tableStyleId>
               </a:tblPr>
               <a:tblGrid>
-                <a:gridCol w="1153033"/>
+                <a:gridCol w="1153033">
+                  <a:extLst>
+                    <a:ext uri="{9D8B030D-6E8A-4147-A177-3AD203B41FA5}">
+                      <a16:colId xmlns:a16="http://schemas.microsoft.com/office/drawing/2014/main" val="20000"/>
+                    </a:ext>
+                  </a:extLst>
+                </a:gridCol>
               </a:tblGrid>
               <a:tr h="613987">
                 <a:tc>
@@ -15948,6 +16646,11 @@
                     </a:solidFill>
                   </a:tcPr>
                 </a:tc>
+                <a:extLst>
+                  <a:ext uri="{0D108BD9-81ED-4DB2-BD59-A6C34878D82A}">
+                    <a16:rowId xmlns:a16="http://schemas.microsoft.com/office/drawing/2014/main" val="10000"/>
+                  </a:ext>
+                </a:extLst>
               </a:tr>
               <a:tr h="613987">
                 <a:tc>
@@ -16013,6 +16716,11 @@
                     </a:solidFill>
                   </a:tcPr>
                 </a:tc>
+                <a:extLst>
+                  <a:ext uri="{0D108BD9-81ED-4DB2-BD59-A6C34878D82A}">
+                    <a16:rowId xmlns:a16="http://schemas.microsoft.com/office/drawing/2014/main" val="10001"/>
+                  </a:ext>
+                </a:extLst>
               </a:tr>
               <a:tr h="613987">
                 <a:tc>
@@ -16022,18 +16730,13 @@
                     <a:p>
                       <a:pPr algn="ctr"/>
                       <a:r>
-                        <a:rPr lang="en-US" sz="3200" dirty="0" smtClean="0">
+                        <a:rPr lang="en-US" sz="3200" dirty="0">
                           <a:solidFill>
                             <a:schemeClr val="tx1"/>
                           </a:solidFill>
                         </a:rPr>
                         <a:t>3</a:t>
                       </a:r>
-                      <a:endParaRPr lang="en-US" sz="3200" dirty="0">
-                        <a:solidFill>
-                          <a:schemeClr val="tx1"/>
-                        </a:solidFill>
-                      </a:endParaRPr>
                     </a:p>
                   </a:txBody>
                   <a:tcPr>
@@ -16086,6 +16789,11 @@
                     </a:solidFill>
                   </a:tcPr>
                 </a:tc>
+                <a:extLst>
+                  <a:ext uri="{0D108BD9-81ED-4DB2-BD59-A6C34878D82A}">
+                    <a16:rowId xmlns:a16="http://schemas.microsoft.com/office/drawing/2014/main" val="10002"/>
+                  </a:ext>
+                </a:extLst>
               </a:tr>
             </a:tbl>
           </a:graphicData>
@@ -16100,7 +16808,7 @@
           <p:nvPr>
             <p:extLst>
               <p:ext uri="{D42A27DB-BD31-4B8C-83A1-F6EECF244321}">
-                <p14:modId xmlns:p14="http://schemas.microsoft.com/office/powerpoint/2010/main" val="2133345638"/>
+                <p14:modId xmlns:p14="http://schemas.microsoft.com/office/powerpoint/2010/main" val="1576141379"/>
               </p:ext>
             </p:extLst>
           </p:nvPr>
@@ -16116,7 +16824,13 @@
                 <a:tableStyleId>{5C22544A-7EE6-4342-B048-85BDC9FD1C3A}</a:tableStyleId>
               </a:tblPr>
               <a:tblGrid>
-                <a:gridCol w="1153033"/>
+                <a:gridCol w="1153033">
+                  <a:extLst>
+                    <a:ext uri="{9D8B030D-6E8A-4147-A177-3AD203B41FA5}">
+                      <a16:colId xmlns:a16="http://schemas.microsoft.com/office/drawing/2014/main" val="20000"/>
+                    </a:ext>
+                  </a:extLst>
+                </a:gridCol>
               </a:tblGrid>
               <a:tr h="613987">
                 <a:tc>
@@ -16182,6 +16896,11 @@
                     </a:solidFill>
                   </a:tcPr>
                 </a:tc>
+                <a:extLst>
+                  <a:ext uri="{0D108BD9-81ED-4DB2-BD59-A6C34878D82A}">
+                    <a16:rowId xmlns:a16="http://schemas.microsoft.com/office/drawing/2014/main" val="10000"/>
+                  </a:ext>
+                </a:extLst>
               </a:tr>
               <a:tr h="613987">
                 <a:tc>
@@ -16191,18 +16910,13 @@
                     <a:p>
                       <a:pPr algn="ctr"/>
                       <a:r>
-                        <a:rPr lang="en-US" sz="3200" dirty="0" smtClean="0">
+                        <a:rPr lang="en-US" sz="3200" dirty="0">
                           <a:solidFill>
                             <a:schemeClr val="tx1"/>
                           </a:solidFill>
                         </a:rPr>
                         <a:t>4</a:t>
                       </a:r>
-                      <a:endParaRPr lang="en-US" sz="3200" dirty="0">
-                        <a:solidFill>
-                          <a:schemeClr val="tx1"/>
-                        </a:solidFill>
-                      </a:endParaRPr>
                     </a:p>
                   </a:txBody>
                   <a:tcPr>
@@ -16255,6 +16969,11 @@
                     </a:solidFill>
                   </a:tcPr>
                 </a:tc>
+                <a:extLst>
+                  <a:ext uri="{0D108BD9-81ED-4DB2-BD59-A6C34878D82A}">
+                    <a16:rowId xmlns:a16="http://schemas.microsoft.com/office/drawing/2014/main" val="10001"/>
+                  </a:ext>
+                </a:extLst>
               </a:tr>
             </a:tbl>
           </a:graphicData>
@@ -16269,7 +16988,7 @@
           <p:nvPr>
             <p:extLst>
               <p:ext uri="{D42A27DB-BD31-4B8C-83A1-F6EECF244321}">
-                <p14:modId xmlns:p14="http://schemas.microsoft.com/office/powerpoint/2010/main" val="1218464660"/>
+                <p14:modId xmlns:p14="http://schemas.microsoft.com/office/powerpoint/2010/main" val="1906444425"/>
               </p:ext>
             </p:extLst>
           </p:nvPr>
@@ -16285,7 +17004,13 @@
                 <a:tableStyleId>{5C22544A-7EE6-4342-B048-85BDC9FD1C3A}</a:tableStyleId>
               </a:tblPr>
               <a:tblGrid>
-                <a:gridCol w="1153033"/>
+                <a:gridCol w="1153033">
+                  <a:extLst>
+                    <a:ext uri="{9D8B030D-6E8A-4147-A177-3AD203B41FA5}">
+                      <a16:colId xmlns:a16="http://schemas.microsoft.com/office/drawing/2014/main" val="20000"/>
+                    </a:ext>
+                  </a:extLst>
+                </a:gridCol>
               </a:tblGrid>
               <a:tr h="613987">
                 <a:tc>
@@ -16351,6 +17076,11 @@
                     </a:solidFill>
                   </a:tcPr>
                 </a:tc>
+                <a:extLst>
+                  <a:ext uri="{0D108BD9-81ED-4DB2-BD59-A6C34878D82A}">
+                    <a16:rowId xmlns:a16="http://schemas.microsoft.com/office/drawing/2014/main" val="10000"/>
+                  </a:ext>
+                </a:extLst>
               </a:tr>
               <a:tr h="613987">
                 <a:tc>
@@ -16360,18 +17090,13 @@
                     <a:p>
                       <a:pPr algn="ctr"/>
                       <a:r>
-                        <a:rPr lang="en-US" sz="3200" dirty="0" smtClean="0">
+                        <a:rPr lang="en-US" sz="3200" dirty="0">
                           <a:solidFill>
                             <a:schemeClr val="tx1"/>
                           </a:solidFill>
                         </a:rPr>
                         <a:t>5</a:t>
                       </a:r>
-                      <a:endParaRPr lang="en-US" sz="3200" dirty="0">
-                        <a:solidFill>
-                          <a:schemeClr val="tx1"/>
-                        </a:solidFill>
-                      </a:endParaRPr>
                     </a:p>
                   </a:txBody>
                   <a:tcPr>
@@ -16424,6 +17149,11 @@
                     </a:solidFill>
                   </a:tcPr>
                 </a:tc>
+                <a:extLst>
+                  <a:ext uri="{0D108BD9-81ED-4DB2-BD59-A6C34878D82A}">
+                    <a16:rowId xmlns:a16="http://schemas.microsoft.com/office/drawing/2014/main" val="10001"/>
+                  </a:ext>
+                </a:extLst>
               </a:tr>
             </a:tbl>
           </a:graphicData>
@@ -16808,7 +17538,13 @@
                 <a:tableStyleId>{5C22544A-7EE6-4342-B048-85BDC9FD1C3A}</a:tableStyleId>
               </a:tblPr>
               <a:tblGrid>
-                <a:gridCol w="1153033"/>
+                <a:gridCol w="1153033">
+                  <a:extLst>
+                    <a:ext uri="{9D8B030D-6E8A-4147-A177-3AD203B41FA5}">
+                      <a16:colId xmlns:a16="http://schemas.microsoft.com/office/drawing/2014/main" val="20000"/>
+                    </a:ext>
+                  </a:extLst>
+                </a:gridCol>
               </a:tblGrid>
               <a:tr h="613987">
                 <a:tc>
@@ -16874,6 +17610,11 @@
                     </a:solidFill>
                   </a:tcPr>
                 </a:tc>
+                <a:extLst>
+                  <a:ext uri="{0D108BD9-81ED-4DB2-BD59-A6C34878D82A}">
+                    <a16:rowId xmlns:a16="http://schemas.microsoft.com/office/drawing/2014/main" val="10000"/>
+                  </a:ext>
+                </a:extLst>
               </a:tr>
               <a:tr h="613987">
                 <a:tc>
@@ -16939,6 +17680,11 @@
                     </a:solidFill>
                   </a:tcPr>
                 </a:tc>
+                <a:extLst>
+                  <a:ext uri="{0D108BD9-81ED-4DB2-BD59-A6C34878D82A}">
+                    <a16:rowId xmlns:a16="http://schemas.microsoft.com/office/drawing/2014/main" val="10001"/>
+                  </a:ext>
+                </a:extLst>
               </a:tr>
               <a:tr h="613987">
                 <a:tc>
@@ -17004,6 +17750,11 @@
                     </a:solidFill>
                   </a:tcPr>
                 </a:tc>
+                <a:extLst>
+                  <a:ext uri="{0D108BD9-81ED-4DB2-BD59-A6C34878D82A}">
+                    <a16:rowId xmlns:a16="http://schemas.microsoft.com/office/drawing/2014/main" val="10002"/>
+                  </a:ext>
+                </a:extLst>
               </a:tr>
             </a:tbl>
           </a:graphicData>
@@ -17033,10 +17784,9 @@
           <a:p>
             <a:pPr algn="ctr"/>
             <a:r>
-              <a:rPr lang="en-US" smtClean="0"/>
+              <a:rPr lang="en-US"/>
               <a:t>head</a:t>
             </a:r>
-            <a:endParaRPr lang="en-US"/>
           </a:p>
         </p:txBody>
       </p:sp>
@@ -17065,7 +17815,13 @@
                 <a:tableStyleId>{5C22544A-7EE6-4342-B048-85BDC9FD1C3A}</a:tableStyleId>
               </a:tblPr>
               <a:tblGrid>
-                <a:gridCol w="1153033"/>
+                <a:gridCol w="1153033">
+                  <a:extLst>
+                    <a:ext uri="{9D8B030D-6E8A-4147-A177-3AD203B41FA5}">
+                      <a16:colId xmlns:a16="http://schemas.microsoft.com/office/drawing/2014/main" val="20000"/>
+                    </a:ext>
+                  </a:extLst>
+                </a:gridCol>
               </a:tblGrid>
               <a:tr h="613987">
                 <a:tc>
@@ -17131,6 +17887,11 @@
                     </a:solidFill>
                   </a:tcPr>
                 </a:tc>
+                <a:extLst>
+                  <a:ext uri="{0D108BD9-81ED-4DB2-BD59-A6C34878D82A}">
+                    <a16:rowId xmlns:a16="http://schemas.microsoft.com/office/drawing/2014/main" val="10000"/>
+                  </a:ext>
+                </a:extLst>
               </a:tr>
               <a:tr h="613987">
                 <a:tc>
@@ -17196,6 +17957,11 @@
                     </a:solidFill>
                   </a:tcPr>
                 </a:tc>
+                <a:extLst>
+                  <a:ext uri="{0D108BD9-81ED-4DB2-BD59-A6C34878D82A}">
+                    <a16:rowId xmlns:a16="http://schemas.microsoft.com/office/drawing/2014/main" val="10001"/>
+                  </a:ext>
+                </a:extLst>
               </a:tr>
               <a:tr h="613987">
                 <a:tc>
@@ -17261,6 +18027,11 @@
                     </a:solidFill>
                   </a:tcPr>
                 </a:tc>
+                <a:extLst>
+                  <a:ext uri="{0D108BD9-81ED-4DB2-BD59-A6C34878D82A}">
+                    <a16:rowId xmlns:a16="http://schemas.microsoft.com/office/drawing/2014/main" val="10002"/>
+                  </a:ext>
+                </a:extLst>
               </a:tr>
               <a:tr h="613987">
                 <a:tc>
@@ -17270,18 +18041,13 @@
                     <a:p>
                       <a:pPr algn="ctr"/>
                       <a:r>
-                        <a:rPr lang="en-US" sz="3200" dirty="0" smtClean="0">
+                        <a:rPr lang="en-US" sz="3200" dirty="0">
                           <a:solidFill>
                             <a:schemeClr val="tx1"/>
                           </a:solidFill>
                         </a:rPr>
                         <a:t>1</a:t>
                       </a:r>
-                      <a:endParaRPr lang="en-US" sz="3200" dirty="0">
-                        <a:solidFill>
-                          <a:schemeClr val="tx1"/>
-                        </a:solidFill>
-                      </a:endParaRPr>
                     </a:p>
                   </a:txBody>
                   <a:tcPr>
@@ -17334,6 +18100,11 @@
                     </a:solidFill>
                   </a:tcPr>
                 </a:tc>
+                <a:extLst>
+                  <a:ext uri="{0D108BD9-81ED-4DB2-BD59-A6C34878D82A}">
+                    <a16:rowId xmlns:a16="http://schemas.microsoft.com/office/drawing/2014/main" val="10003"/>
+                  </a:ext>
+                </a:extLst>
               </a:tr>
             </a:tbl>
           </a:graphicData>
@@ -17364,7 +18135,13 @@
                 <a:tableStyleId>{5C22544A-7EE6-4342-B048-85BDC9FD1C3A}</a:tableStyleId>
               </a:tblPr>
               <a:tblGrid>
-                <a:gridCol w="1153033"/>
+                <a:gridCol w="1153033">
+                  <a:extLst>
+                    <a:ext uri="{9D8B030D-6E8A-4147-A177-3AD203B41FA5}">
+                      <a16:colId xmlns:a16="http://schemas.microsoft.com/office/drawing/2014/main" val="20000"/>
+                    </a:ext>
+                  </a:extLst>
+                </a:gridCol>
               </a:tblGrid>
               <a:tr h="613987">
                 <a:tc>
@@ -17430,6 +18207,11 @@
                     </a:solidFill>
                   </a:tcPr>
                 </a:tc>
+                <a:extLst>
+                  <a:ext uri="{0D108BD9-81ED-4DB2-BD59-A6C34878D82A}">
+                    <a16:rowId xmlns:a16="http://schemas.microsoft.com/office/drawing/2014/main" val="10000"/>
+                  </a:ext>
+                </a:extLst>
               </a:tr>
               <a:tr h="613987">
                 <a:tc>
@@ -17439,18 +18221,13 @@
                     <a:p>
                       <a:pPr algn="ctr"/>
                       <a:r>
-                        <a:rPr lang="en-US" sz="3200" dirty="0" smtClean="0">
+                        <a:rPr lang="en-US" sz="3200" dirty="0">
                           <a:solidFill>
                             <a:schemeClr val="tx1"/>
                           </a:solidFill>
                         </a:rPr>
                         <a:t>2</a:t>
                       </a:r>
-                      <a:endParaRPr lang="en-US" sz="3200" dirty="0">
-                        <a:solidFill>
-                          <a:schemeClr val="tx1"/>
-                        </a:solidFill>
-                      </a:endParaRPr>
                     </a:p>
                   </a:txBody>
                   <a:tcPr>
@@ -17503,6 +18280,11 @@
                     </a:solidFill>
                   </a:tcPr>
                 </a:tc>
+                <a:extLst>
+                  <a:ext uri="{0D108BD9-81ED-4DB2-BD59-A6C34878D82A}">
+                    <a16:rowId xmlns:a16="http://schemas.microsoft.com/office/drawing/2014/main" val="10001"/>
+                  </a:ext>
+                </a:extLst>
               </a:tr>
             </a:tbl>
           </a:graphicData>
@@ -17533,7 +18315,13 @@
                 <a:tableStyleId>{5C22544A-7EE6-4342-B048-85BDC9FD1C3A}</a:tableStyleId>
               </a:tblPr>
               <a:tblGrid>
-                <a:gridCol w="1153033"/>
+                <a:gridCol w="1153033">
+                  <a:extLst>
+                    <a:ext uri="{9D8B030D-6E8A-4147-A177-3AD203B41FA5}">
+                      <a16:colId xmlns:a16="http://schemas.microsoft.com/office/drawing/2014/main" val="20000"/>
+                    </a:ext>
+                  </a:extLst>
+                </a:gridCol>
               </a:tblGrid>
               <a:tr h="613987">
                 <a:tc>
@@ -17599,6 +18387,11 @@
                     </a:solidFill>
                   </a:tcPr>
                 </a:tc>
+                <a:extLst>
+                  <a:ext uri="{0D108BD9-81ED-4DB2-BD59-A6C34878D82A}">
+                    <a16:rowId xmlns:a16="http://schemas.microsoft.com/office/drawing/2014/main" val="10000"/>
+                  </a:ext>
+                </a:extLst>
               </a:tr>
               <a:tr h="613987">
                 <a:tc>
@@ -17664,6 +18457,11 @@
                     </a:solidFill>
                   </a:tcPr>
                 </a:tc>
+                <a:extLst>
+                  <a:ext uri="{0D108BD9-81ED-4DB2-BD59-A6C34878D82A}">
+                    <a16:rowId xmlns:a16="http://schemas.microsoft.com/office/drawing/2014/main" val="10001"/>
+                  </a:ext>
+                </a:extLst>
               </a:tr>
               <a:tr h="613987">
                 <a:tc>
@@ -17673,18 +18471,13 @@
                     <a:p>
                       <a:pPr algn="ctr"/>
                       <a:r>
-                        <a:rPr lang="en-US" sz="3200" dirty="0" smtClean="0">
+                        <a:rPr lang="en-US" sz="3200" dirty="0">
                           <a:solidFill>
                             <a:schemeClr val="tx1"/>
                           </a:solidFill>
                         </a:rPr>
                         <a:t>3</a:t>
                       </a:r>
-                      <a:endParaRPr lang="en-US" sz="3200" dirty="0">
-                        <a:solidFill>
-                          <a:schemeClr val="tx1"/>
-                        </a:solidFill>
-                      </a:endParaRPr>
                     </a:p>
                   </a:txBody>
                   <a:tcPr>
@@ -17737,6 +18530,11 @@
                     </a:solidFill>
                   </a:tcPr>
                 </a:tc>
+                <a:extLst>
+                  <a:ext uri="{0D108BD9-81ED-4DB2-BD59-A6C34878D82A}">
+                    <a16:rowId xmlns:a16="http://schemas.microsoft.com/office/drawing/2014/main" val="10002"/>
+                  </a:ext>
+                </a:extLst>
               </a:tr>
             </a:tbl>
           </a:graphicData>
@@ -17767,7 +18565,13 @@
                 <a:tableStyleId>{5C22544A-7EE6-4342-B048-85BDC9FD1C3A}</a:tableStyleId>
               </a:tblPr>
               <a:tblGrid>
-                <a:gridCol w="1153033"/>
+                <a:gridCol w="1153033">
+                  <a:extLst>
+                    <a:ext uri="{9D8B030D-6E8A-4147-A177-3AD203B41FA5}">
+                      <a16:colId xmlns:a16="http://schemas.microsoft.com/office/drawing/2014/main" val="20000"/>
+                    </a:ext>
+                  </a:extLst>
+                </a:gridCol>
               </a:tblGrid>
               <a:tr h="613987">
                 <a:tc>
@@ -17833,6 +18637,11 @@
                     </a:solidFill>
                   </a:tcPr>
                 </a:tc>
+                <a:extLst>
+                  <a:ext uri="{0D108BD9-81ED-4DB2-BD59-A6C34878D82A}">
+                    <a16:rowId xmlns:a16="http://schemas.microsoft.com/office/drawing/2014/main" val="10000"/>
+                  </a:ext>
+                </a:extLst>
               </a:tr>
               <a:tr h="613987">
                 <a:tc>
@@ -17842,18 +18651,13 @@
                     <a:p>
                       <a:pPr algn="ctr"/>
                       <a:r>
-                        <a:rPr lang="en-US" sz="3200" dirty="0" smtClean="0">
+                        <a:rPr lang="en-US" sz="3200" dirty="0">
                           <a:solidFill>
                             <a:schemeClr val="tx1"/>
                           </a:solidFill>
                         </a:rPr>
                         <a:t>4</a:t>
                       </a:r>
-                      <a:endParaRPr lang="en-US" sz="3200" dirty="0">
-                        <a:solidFill>
-                          <a:schemeClr val="tx1"/>
-                        </a:solidFill>
-                      </a:endParaRPr>
                     </a:p>
                   </a:txBody>
                   <a:tcPr>
@@ -17906,6 +18710,11 @@
                     </a:solidFill>
                   </a:tcPr>
                 </a:tc>
+                <a:extLst>
+                  <a:ext uri="{0D108BD9-81ED-4DB2-BD59-A6C34878D82A}">
+                    <a16:rowId xmlns:a16="http://schemas.microsoft.com/office/drawing/2014/main" val="10001"/>
+                  </a:ext>
+                </a:extLst>
               </a:tr>
             </a:tbl>
           </a:graphicData>
@@ -17936,7 +18745,13 @@
                 <a:tableStyleId>{5C22544A-7EE6-4342-B048-85BDC9FD1C3A}</a:tableStyleId>
               </a:tblPr>
               <a:tblGrid>
-                <a:gridCol w="1153033"/>
+                <a:gridCol w="1153033">
+                  <a:extLst>
+                    <a:ext uri="{9D8B030D-6E8A-4147-A177-3AD203B41FA5}">
+                      <a16:colId xmlns:a16="http://schemas.microsoft.com/office/drawing/2014/main" val="20000"/>
+                    </a:ext>
+                  </a:extLst>
+                </a:gridCol>
               </a:tblGrid>
               <a:tr h="613987">
                 <a:tc>
@@ -18002,6 +18817,11 @@
                     </a:solidFill>
                   </a:tcPr>
                 </a:tc>
+                <a:extLst>
+                  <a:ext uri="{0D108BD9-81ED-4DB2-BD59-A6C34878D82A}">
+                    <a16:rowId xmlns:a16="http://schemas.microsoft.com/office/drawing/2014/main" val="10000"/>
+                  </a:ext>
+                </a:extLst>
               </a:tr>
               <a:tr h="613987">
                 <a:tc>
@@ -18067,6 +18887,11 @@
                     </a:solidFill>
                   </a:tcPr>
                 </a:tc>
+                <a:extLst>
+                  <a:ext uri="{0D108BD9-81ED-4DB2-BD59-A6C34878D82A}">
+                    <a16:rowId xmlns:a16="http://schemas.microsoft.com/office/drawing/2014/main" val="10001"/>
+                  </a:ext>
+                </a:extLst>
               </a:tr>
               <a:tr h="613987">
                 <a:tc>
@@ -18132,6 +18957,11 @@
                     </a:solidFill>
                   </a:tcPr>
                 </a:tc>
+                <a:extLst>
+                  <a:ext uri="{0D108BD9-81ED-4DB2-BD59-A6C34878D82A}">
+                    <a16:rowId xmlns:a16="http://schemas.microsoft.com/office/drawing/2014/main" val="10002"/>
+                  </a:ext>
+                </a:extLst>
               </a:tr>
               <a:tr h="613987">
                 <a:tc>
@@ -18141,18 +18971,13 @@
                     <a:p>
                       <a:pPr algn="ctr"/>
                       <a:r>
-                        <a:rPr lang="en-US" sz="3200" dirty="0" smtClean="0">
+                        <a:rPr lang="en-US" sz="3200" dirty="0">
                           <a:solidFill>
                             <a:schemeClr val="tx1"/>
                           </a:solidFill>
                         </a:rPr>
                         <a:t>5</a:t>
                       </a:r>
-                      <a:endParaRPr lang="en-US" sz="3200" dirty="0">
-                        <a:solidFill>
-                          <a:schemeClr val="tx1"/>
-                        </a:solidFill>
-                      </a:endParaRPr>
                     </a:p>
                   </a:txBody>
                   <a:tcPr>
@@ -18205,6 +19030,11 @@
                     </a:solidFill>
                   </a:tcPr>
                 </a:tc>
+                <a:extLst>
+                  <a:ext uri="{0D108BD9-81ED-4DB2-BD59-A6C34878D82A}">
+                    <a16:rowId xmlns:a16="http://schemas.microsoft.com/office/drawing/2014/main" val="10003"/>
+                  </a:ext>
+                </a:extLst>
               </a:tr>
             </a:tbl>
           </a:graphicData>
@@ -18609,7 +19439,7 @@
           <p:nvPr>
             <p:extLst>
               <p:ext uri="{D42A27DB-BD31-4B8C-83A1-F6EECF244321}">
-                <p14:modId xmlns:p14="http://schemas.microsoft.com/office/powerpoint/2010/main" val="745488801"/>
+                <p14:modId xmlns:p14="http://schemas.microsoft.com/office/powerpoint/2010/main" val="3126477357"/>
               </p:ext>
             </p:extLst>
           </p:nvPr>
@@ -18625,7 +19455,13 @@
                 <a:tableStyleId>{5C22544A-7EE6-4342-B048-85BDC9FD1C3A}</a:tableStyleId>
               </a:tblPr>
               <a:tblGrid>
-                <a:gridCol w="1153033"/>
+                <a:gridCol w="1153033">
+                  <a:extLst>
+                    <a:ext uri="{9D8B030D-6E8A-4147-A177-3AD203B41FA5}">
+                      <a16:colId xmlns:a16="http://schemas.microsoft.com/office/drawing/2014/main" val="20000"/>
+                    </a:ext>
+                  </a:extLst>
+                </a:gridCol>
               </a:tblGrid>
               <a:tr h="613987">
                 <a:tc>
@@ -18691,6 +19527,11 @@
                     </a:solidFill>
                   </a:tcPr>
                 </a:tc>
+                <a:extLst>
+                  <a:ext uri="{0D108BD9-81ED-4DB2-BD59-A6C34878D82A}">
+                    <a16:rowId xmlns:a16="http://schemas.microsoft.com/office/drawing/2014/main" val="10000"/>
+                  </a:ext>
+                </a:extLst>
               </a:tr>
               <a:tr h="613987">
                 <a:tc>
@@ -18756,6 +19597,11 @@
                     </a:solidFill>
                   </a:tcPr>
                 </a:tc>
+                <a:extLst>
+                  <a:ext uri="{0D108BD9-81ED-4DB2-BD59-A6C34878D82A}">
+                    <a16:rowId xmlns:a16="http://schemas.microsoft.com/office/drawing/2014/main" val="10001"/>
+                  </a:ext>
+                </a:extLst>
               </a:tr>
               <a:tr h="613987">
                 <a:tc>
@@ -18821,6 +19667,11 @@
                     </a:solidFill>
                   </a:tcPr>
                 </a:tc>
+                <a:extLst>
+                  <a:ext uri="{0D108BD9-81ED-4DB2-BD59-A6C34878D82A}">
+                    <a16:rowId xmlns:a16="http://schemas.microsoft.com/office/drawing/2014/main" val="10002"/>
+                  </a:ext>
+                </a:extLst>
               </a:tr>
             </a:tbl>
           </a:graphicData>
@@ -18850,10 +19701,9 @@
           <a:p>
             <a:pPr algn="ctr"/>
             <a:r>
-              <a:rPr lang="en-US" smtClean="0"/>
+              <a:rPr lang="en-US"/>
               <a:t>head</a:t>
             </a:r>
-            <a:endParaRPr lang="en-US"/>
           </a:p>
         </p:txBody>
       </p:sp>
@@ -18866,7 +19716,7 @@
           <p:nvPr>
             <p:extLst>
               <p:ext uri="{D42A27DB-BD31-4B8C-83A1-F6EECF244321}">
-                <p14:modId xmlns:p14="http://schemas.microsoft.com/office/powerpoint/2010/main" val="24288434"/>
+                <p14:modId xmlns:p14="http://schemas.microsoft.com/office/powerpoint/2010/main" val="703676694"/>
               </p:ext>
             </p:extLst>
           </p:nvPr>
@@ -18882,7 +19732,13 @@
                 <a:tableStyleId>{5C22544A-7EE6-4342-B048-85BDC9FD1C3A}</a:tableStyleId>
               </a:tblPr>
               <a:tblGrid>
-                <a:gridCol w="1153033"/>
+                <a:gridCol w="1153033">
+                  <a:extLst>
+                    <a:ext uri="{9D8B030D-6E8A-4147-A177-3AD203B41FA5}">
+                      <a16:colId xmlns:a16="http://schemas.microsoft.com/office/drawing/2014/main" val="20000"/>
+                    </a:ext>
+                  </a:extLst>
+                </a:gridCol>
               </a:tblGrid>
               <a:tr h="613987">
                 <a:tc>
@@ -18948,6 +19804,11 @@
                     </a:solidFill>
                   </a:tcPr>
                 </a:tc>
+                <a:extLst>
+                  <a:ext uri="{0D108BD9-81ED-4DB2-BD59-A6C34878D82A}">
+                    <a16:rowId xmlns:a16="http://schemas.microsoft.com/office/drawing/2014/main" val="10000"/>
+                  </a:ext>
+                </a:extLst>
               </a:tr>
               <a:tr h="613987">
                 <a:tc>
@@ -19013,6 +19874,11 @@
                     </a:solidFill>
                   </a:tcPr>
                 </a:tc>
+                <a:extLst>
+                  <a:ext uri="{0D108BD9-81ED-4DB2-BD59-A6C34878D82A}">
+                    <a16:rowId xmlns:a16="http://schemas.microsoft.com/office/drawing/2014/main" val="10001"/>
+                  </a:ext>
+                </a:extLst>
               </a:tr>
               <a:tr h="613987">
                 <a:tc>
@@ -19078,6 +19944,11 @@
                     </a:solidFill>
                   </a:tcPr>
                 </a:tc>
+                <a:extLst>
+                  <a:ext uri="{0D108BD9-81ED-4DB2-BD59-A6C34878D82A}">
+                    <a16:rowId xmlns:a16="http://schemas.microsoft.com/office/drawing/2014/main" val="10002"/>
+                  </a:ext>
+                </a:extLst>
               </a:tr>
               <a:tr h="613987">
                 <a:tc>
@@ -19087,18 +19958,13 @@
                     <a:p>
                       <a:pPr algn="ctr"/>
                       <a:r>
-                        <a:rPr lang="en-US" sz="3200" dirty="0" smtClean="0">
+                        <a:rPr lang="en-US" sz="3200" dirty="0">
                           <a:solidFill>
                             <a:schemeClr val="tx1"/>
                           </a:solidFill>
                         </a:rPr>
                         <a:t>1</a:t>
                       </a:r>
-                      <a:endParaRPr lang="en-US" sz="3200" dirty="0">
-                        <a:solidFill>
-                          <a:schemeClr val="tx1"/>
-                        </a:solidFill>
-                      </a:endParaRPr>
                     </a:p>
                   </a:txBody>
                   <a:tcPr>
@@ -19151,6 +20017,11 @@
                     </a:solidFill>
                   </a:tcPr>
                 </a:tc>
+                <a:extLst>
+                  <a:ext uri="{0D108BD9-81ED-4DB2-BD59-A6C34878D82A}">
+                    <a16:rowId xmlns:a16="http://schemas.microsoft.com/office/drawing/2014/main" val="10003"/>
+                  </a:ext>
+                </a:extLst>
               </a:tr>
             </a:tbl>
           </a:graphicData>
@@ -19165,7 +20036,7 @@
           <p:nvPr>
             <p:extLst>
               <p:ext uri="{D42A27DB-BD31-4B8C-83A1-F6EECF244321}">
-                <p14:modId xmlns:p14="http://schemas.microsoft.com/office/powerpoint/2010/main" val="1012859032"/>
+                <p14:modId xmlns:p14="http://schemas.microsoft.com/office/powerpoint/2010/main" val="2021623614"/>
               </p:ext>
             </p:extLst>
           </p:nvPr>
@@ -19181,7 +20052,13 @@
                 <a:tableStyleId>{5C22544A-7EE6-4342-B048-85BDC9FD1C3A}</a:tableStyleId>
               </a:tblPr>
               <a:tblGrid>
-                <a:gridCol w="1153033"/>
+                <a:gridCol w="1153033">
+                  <a:extLst>
+                    <a:ext uri="{9D8B030D-6E8A-4147-A177-3AD203B41FA5}">
+                      <a16:colId xmlns:a16="http://schemas.microsoft.com/office/drawing/2014/main" val="20000"/>
+                    </a:ext>
+                  </a:extLst>
+                </a:gridCol>
               </a:tblGrid>
               <a:tr h="613987">
                 <a:tc>
@@ -19247,6 +20124,11 @@
                     </a:solidFill>
                   </a:tcPr>
                 </a:tc>
+                <a:extLst>
+                  <a:ext uri="{0D108BD9-81ED-4DB2-BD59-A6C34878D82A}">
+                    <a16:rowId xmlns:a16="http://schemas.microsoft.com/office/drawing/2014/main" val="10000"/>
+                  </a:ext>
+                </a:extLst>
               </a:tr>
               <a:tr h="613987">
                 <a:tc>
@@ -19256,18 +20138,13 @@
                     <a:p>
                       <a:pPr algn="ctr"/>
                       <a:r>
-                        <a:rPr lang="en-US" sz="3200" dirty="0" smtClean="0">
+                        <a:rPr lang="en-US" sz="3200" dirty="0">
                           <a:solidFill>
                             <a:schemeClr val="tx1"/>
                           </a:solidFill>
                         </a:rPr>
                         <a:t>3</a:t>
                       </a:r>
-                      <a:endParaRPr lang="en-US" sz="3200" dirty="0">
-                        <a:solidFill>
-                          <a:schemeClr val="tx1"/>
-                        </a:solidFill>
-                      </a:endParaRPr>
                     </a:p>
                   </a:txBody>
                   <a:tcPr>
@@ -19320,6 +20197,11 @@
                     </a:solidFill>
                   </a:tcPr>
                 </a:tc>
+                <a:extLst>
+                  <a:ext uri="{0D108BD9-81ED-4DB2-BD59-A6C34878D82A}">
+                    <a16:rowId xmlns:a16="http://schemas.microsoft.com/office/drawing/2014/main" val="10001"/>
+                  </a:ext>
+                </a:extLst>
               </a:tr>
             </a:tbl>
           </a:graphicData>
@@ -19334,7 +20216,7 @@
           <p:nvPr>
             <p:extLst>
               <p:ext uri="{D42A27DB-BD31-4B8C-83A1-F6EECF244321}">
-                <p14:modId xmlns:p14="http://schemas.microsoft.com/office/powerpoint/2010/main" val="1545354428"/>
+                <p14:modId xmlns:p14="http://schemas.microsoft.com/office/powerpoint/2010/main" val="2905961034"/>
               </p:ext>
             </p:extLst>
           </p:nvPr>
@@ -19350,7 +20232,13 @@
                 <a:tableStyleId>{5C22544A-7EE6-4342-B048-85BDC9FD1C3A}</a:tableStyleId>
               </a:tblPr>
               <a:tblGrid>
-                <a:gridCol w="1153033"/>
+                <a:gridCol w="1153033">
+                  <a:extLst>
+                    <a:ext uri="{9D8B030D-6E8A-4147-A177-3AD203B41FA5}">
+                      <a16:colId xmlns:a16="http://schemas.microsoft.com/office/drawing/2014/main" val="20000"/>
+                    </a:ext>
+                  </a:extLst>
+                </a:gridCol>
               </a:tblGrid>
               <a:tr h="613987">
                 <a:tc>
@@ -19416,6 +20304,11 @@
                     </a:solidFill>
                   </a:tcPr>
                 </a:tc>
+                <a:extLst>
+                  <a:ext uri="{0D108BD9-81ED-4DB2-BD59-A6C34878D82A}">
+                    <a16:rowId xmlns:a16="http://schemas.microsoft.com/office/drawing/2014/main" val="10000"/>
+                  </a:ext>
+                </a:extLst>
               </a:tr>
               <a:tr h="613987">
                 <a:tc>
@@ -19425,18 +20318,13 @@
                     <a:p>
                       <a:pPr algn="ctr"/>
                       <a:r>
-                        <a:rPr lang="en-US" sz="3200" dirty="0" smtClean="0">
+                        <a:rPr lang="en-US" sz="3200" dirty="0">
                           <a:solidFill>
                             <a:schemeClr val="tx1"/>
                           </a:solidFill>
                         </a:rPr>
                         <a:t>7</a:t>
                       </a:r>
-                      <a:endParaRPr lang="en-US" sz="3200" dirty="0">
-                        <a:solidFill>
-                          <a:schemeClr val="tx1"/>
-                        </a:solidFill>
-                      </a:endParaRPr>
                     </a:p>
                   </a:txBody>
                   <a:tcPr>
@@ -19489,6 +20377,11 @@
                     </a:solidFill>
                   </a:tcPr>
                 </a:tc>
+                <a:extLst>
+                  <a:ext uri="{0D108BD9-81ED-4DB2-BD59-A6C34878D82A}">
+                    <a16:rowId xmlns:a16="http://schemas.microsoft.com/office/drawing/2014/main" val="10001"/>
+                  </a:ext>
+                </a:extLst>
               </a:tr>
             </a:tbl>
           </a:graphicData>
@@ -19503,7 +20396,7 @@
           <p:nvPr>
             <p:extLst>
               <p:ext uri="{D42A27DB-BD31-4B8C-83A1-F6EECF244321}">
-                <p14:modId xmlns:p14="http://schemas.microsoft.com/office/powerpoint/2010/main" val="2096734406"/>
+                <p14:modId xmlns:p14="http://schemas.microsoft.com/office/powerpoint/2010/main" val="1454760738"/>
               </p:ext>
             </p:extLst>
           </p:nvPr>
@@ -19519,7 +20412,13 @@
                 <a:tableStyleId>{5C22544A-7EE6-4342-B048-85BDC9FD1C3A}</a:tableStyleId>
               </a:tblPr>
               <a:tblGrid>
-                <a:gridCol w="1153033"/>
+                <a:gridCol w="1153033">
+                  <a:extLst>
+                    <a:ext uri="{9D8B030D-6E8A-4147-A177-3AD203B41FA5}">
+                      <a16:colId xmlns:a16="http://schemas.microsoft.com/office/drawing/2014/main" val="20000"/>
+                    </a:ext>
+                  </a:extLst>
+                </a:gridCol>
               </a:tblGrid>
               <a:tr h="613987">
                 <a:tc>
@@ -19585,6 +20484,11 @@
                     </a:solidFill>
                   </a:tcPr>
                 </a:tc>
+                <a:extLst>
+                  <a:ext uri="{0D108BD9-81ED-4DB2-BD59-A6C34878D82A}">
+                    <a16:rowId xmlns:a16="http://schemas.microsoft.com/office/drawing/2014/main" val="10000"/>
+                  </a:ext>
+                </a:extLst>
               </a:tr>
               <a:tr h="613987">
                 <a:tc>
@@ -19650,6 +20554,11 @@
                     </a:solidFill>
                   </a:tcPr>
                 </a:tc>
+                <a:extLst>
+                  <a:ext uri="{0D108BD9-81ED-4DB2-BD59-A6C34878D82A}">
+                    <a16:rowId xmlns:a16="http://schemas.microsoft.com/office/drawing/2014/main" val="10001"/>
+                  </a:ext>
+                </a:extLst>
               </a:tr>
               <a:tr h="613987">
                 <a:tc>
@@ -19715,6 +20624,11 @@
                     </a:solidFill>
                   </a:tcPr>
                 </a:tc>
+                <a:extLst>
+                  <a:ext uri="{0D108BD9-81ED-4DB2-BD59-A6C34878D82A}">
+                    <a16:rowId xmlns:a16="http://schemas.microsoft.com/office/drawing/2014/main" val="10002"/>
+                  </a:ext>
+                </a:extLst>
               </a:tr>
               <a:tr h="613987">
                 <a:tc>
@@ -19724,18 +20638,13 @@
                     <a:p>
                       <a:pPr algn="ctr"/>
                       <a:r>
-                        <a:rPr lang="en-US" sz="3200" dirty="0" smtClean="0">
+                        <a:rPr lang="en-US" sz="3200" dirty="0">
                           <a:solidFill>
                             <a:schemeClr val="tx1"/>
                           </a:solidFill>
                         </a:rPr>
                         <a:t>9</a:t>
                       </a:r>
-                      <a:endParaRPr lang="en-US" sz="3200" dirty="0">
-                        <a:solidFill>
-                          <a:schemeClr val="tx1"/>
-                        </a:solidFill>
-                      </a:endParaRPr>
                     </a:p>
                   </a:txBody>
                   <a:tcPr>
@@ -19788,6 +20697,11 @@
                     </a:solidFill>
                   </a:tcPr>
                 </a:tc>
+                <a:extLst>
+                  <a:ext uri="{0D108BD9-81ED-4DB2-BD59-A6C34878D82A}">
+                    <a16:rowId xmlns:a16="http://schemas.microsoft.com/office/drawing/2014/main" val="10003"/>
+                  </a:ext>
+                </a:extLst>
               </a:tr>
             </a:tbl>
           </a:graphicData>
